--- a/weekly_meetings/10212022_Presentation.pptx
+++ b/weekly_meetings/10212022_Presentation.pptx
@@ -5,13 +5,24 @@
     <p:sldMasterId id="2147483660" r:id="rId1"/>
   </p:sldMasterIdLst>
   <p:notesMasterIdLst>
-    <p:notesMasterId r:id="rId6"/>
+    <p:notesMasterId r:id="rId17"/>
   </p:notesMasterIdLst>
   <p:sldIdLst>
     <p:sldId id="256" r:id="rId2"/>
     <p:sldId id="285" r:id="rId3"/>
     <p:sldId id="286" r:id="rId4"/>
     <p:sldId id="287" r:id="rId5"/>
+    <p:sldId id="288" r:id="rId6"/>
+    <p:sldId id="289" r:id="rId7"/>
+    <p:sldId id="294" r:id="rId8"/>
+    <p:sldId id="295" r:id="rId9"/>
+    <p:sldId id="296" r:id="rId10"/>
+    <p:sldId id="297" r:id="rId11"/>
+    <p:sldId id="290" r:id="rId12"/>
+    <p:sldId id="292" r:id="rId13"/>
+    <p:sldId id="291" r:id="rId14"/>
+    <p:sldId id="293" r:id="rId15"/>
+    <p:sldId id="298" r:id="rId16"/>
   </p:sldIdLst>
   <p:sldSz cx="12192000" cy="6858000"/>
   <p:notesSz cx="6858000" cy="9144000"/>
@@ -200,7 +211,7 @@
           <a:p>
             <a:fld id="{91328498-3CBD-7D43-94EE-E4471A402C97}" type="datetimeFigureOut">
               <a:rPr lang="en-US" smtClean="0"/>
-              <a:t>10/17/22</a:t>
+              <a:t>10/21/22</a:t>
             </a:fld>
             <a:endParaRPr lang="en-US"/>
           </a:p>
@@ -637,7 +648,7 @@
           <a:p>
             <a:fld id="{AF20C1CE-0746-944E-92A7-6604E73DE184}" type="datetimeFigureOut">
               <a:rPr lang="en-US" smtClean="0"/>
-              <a:t>10/17/22</a:t>
+              <a:t>10/21/22</a:t>
             </a:fld>
             <a:endParaRPr lang="en-US"/>
           </a:p>
@@ -904,7 +915,7 @@
           <a:p>
             <a:fld id="{AF20C1CE-0746-944E-92A7-6604E73DE184}" type="datetimeFigureOut">
               <a:rPr lang="en-US" smtClean="0"/>
-              <a:t>10/17/22</a:t>
+              <a:t>10/21/22</a:t>
             </a:fld>
             <a:endParaRPr lang="en-US"/>
           </a:p>
@@ -1135,7 +1146,7 @@
           <a:p>
             <a:fld id="{AF20C1CE-0746-944E-92A7-6604E73DE184}" type="datetimeFigureOut">
               <a:rPr lang="en-US" smtClean="0"/>
-              <a:t>10/17/22</a:t>
+              <a:t>10/21/22</a:t>
             </a:fld>
             <a:endParaRPr lang="en-US"/>
           </a:p>
@@ -1445,7 +1456,7 @@
           <a:p>
             <a:fld id="{AF20C1CE-0746-944E-92A7-6604E73DE184}" type="datetimeFigureOut">
               <a:rPr lang="en-US" smtClean="0"/>
-              <a:t>10/17/22</a:t>
+              <a:t>10/21/22</a:t>
             </a:fld>
             <a:endParaRPr lang="en-US"/>
           </a:p>
@@ -1918,7 +1929,7 @@
           <a:p>
             <a:fld id="{AF20C1CE-0746-944E-92A7-6604E73DE184}" type="datetimeFigureOut">
               <a:rPr lang="en-US" smtClean="0"/>
-              <a:t>10/17/22</a:t>
+              <a:t>10/21/22</a:t>
             </a:fld>
             <a:endParaRPr lang="en-US"/>
           </a:p>
@@ -2465,7 +2476,7 @@
           <a:p>
             <a:fld id="{AF20C1CE-0746-944E-92A7-6604E73DE184}" type="datetimeFigureOut">
               <a:rPr lang="en-US" smtClean="0"/>
-              <a:t>10/17/22</a:t>
+              <a:t>10/21/22</a:t>
             </a:fld>
             <a:endParaRPr lang="en-US"/>
           </a:p>
@@ -3239,7 +3250,7 @@
           <a:p>
             <a:fld id="{AF20C1CE-0746-944E-92A7-6604E73DE184}" type="datetimeFigureOut">
               <a:rPr lang="en-US" smtClean="0"/>
-              <a:t>10/17/22</a:t>
+              <a:t>10/21/22</a:t>
             </a:fld>
             <a:endParaRPr lang="en-US"/>
           </a:p>
@@ -3414,7 +3425,7 @@
           <a:p>
             <a:fld id="{AF20C1CE-0746-944E-92A7-6604E73DE184}" type="datetimeFigureOut">
               <a:rPr lang="en-US" smtClean="0"/>
-              <a:t>10/17/22</a:t>
+              <a:t>10/21/22</a:t>
             </a:fld>
             <a:endParaRPr lang="en-US"/>
           </a:p>
@@ -3637,7 +3648,7 @@
           <a:p>
             <a:fld id="{AF20C1CE-0746-944E-92A7-6604E73DE184}" type="datetimeFigureOut">
               <a:rPr lang="en-US" smtClean="0"/>
-              <a:t>10/17/22</a:t>
+              <a:t>10/21/22</a:t>
             </a:fld>
             <a:endParaRPr lang="en-US"/>
           </a:p>
@@ -3817,7 +3828,7 @@
           <a:p>
             <a:fld id="{AF20C1CE-0746-944E-92A7-6604E73DE184}" type="datetimeFigureOut">
               <a:rPr lang="en-US" smtClean="0"/>
-              <a:t>10/17/22</a:t>
+              <a:t>10/21/22</a:t>
             </a:fld>
             <a:endParaRPr lang="en-US"/>
           </a:p>
@@ -4106,7 +4117,7 @@
           <a:p>
             <a:fld id="{AF20C1CE-0746-944E-92A7-6604E73DE184}" type="datetimeFigureOut">
               <a:rPr lang="en-US" smtClean="0"/>
-              <a:t>10/17/22</a:t>
+              <a:t>10/21/22</a:t>
             </a:fld>
             <a:endParaRPr lang="en-US"/>
           </a:p>
@@ -4348,7 +4359,7 @@
           <a:p>
             <a:fld id="{AF20C1CE-0746-944E-92A7-6604E73DE184}" type="datetimeFigureOut">
               <a:rPr lang="en-US" smtClean="0"/>
-              <a:t>10/17/22</a:t>
+              <a:t>10/21/22</a:t>
             </a:fld>
             <a:endParaRPr lang="en-US"/>
           </a:p>
@@ -4727,7 +4738,7 @@
           <a:p>
             <a:fld id="{AF20C1CE-0746-944E-92A7-6604E73DE184}" type="datetimeFigureOut">
               <a:rPr lang="en-US" smtClean="0"/>
-              <a:t>10/17/22</a:t>
+              <a:t>10/21/22</a:t>
             </a:fld>
             <a:endParaRPr lang="en-US"/>
           </a:p>
@@ -4845,7 +4856,7 @@
           <a:p>
             <a:fld id="{AF20C1CE-0746-944E-92A7-6604E73DE184}" type="datetimeFigureOut">
               <a:rPr lang="en-US" smtClean="0"/>
-              <a:t>10/17/22</a:t>
+              <a:t>10/21/22</a:t>
             </a:fld>
             <a:endParaRPr lang="en-US"/>
           </a:p>
@@ -4940,7 +4951,7 @@
           <a:p>
             <a:fld id="{AF20C1CE-0746-944E-92A7-6604E73DE184}" type="datetimeFigureOut">
               <a:rPr lang="en-US" smtClean="0"/>
-              <a:t>10/17/22</a:t>
+              <a:t>10/21/22</a:t>
             </a:fld>
             <a:endParaRPr lang="en-US"/>
           </a:p>
@@ -5189,7 +5200,7 @@
           <a:p>
             <a:fld id="{AF20C1CE-0746-944E-92A7-6604E73DE184}" type="datetimeFigureOut">
               <a:rPr lang="en-US" smtClean="0"/>
-              <a:t>10/17/22</a:t>
+              <a:t>10/21/22</a:t>
             </a:fld>
             <a:endParaRPr lang="en-US"/>
           </a:p>
@@ -5446,7 +5457,7 @@
           <a:p>
             <a:fld id="{AF20C1CE-0746-944E-92A7-6604E73DE184}" type="datetimeFigureOut">
               <a:rPr lang="en-US" smtClean="0"/>
-              <a:t>10/17/22</a:t>
+              <a:t>10/21/22</a:t>
             </a:fld>
             <a:endParaRPr lang="en-US"/>
           </a:p>
@@ -5689,7 +5700,7 @@
           <a:p>
             <a:fld id="{AF20C1CE-0746-944E-92A7-6604E73DE184}" type="datetimeFigureOut">
               <a:rPr lang="en-US" smtClean="0"/>
-              <a:t>10/17/22</a:t>
+              <a:t>10/21/22</a:t>
             </a:fld>
             <a:endParaRPr lang="en-US"/>
           </a:p>
@@ -6181,6 +6192,1286 @@
 </p:sld>
 </file>
 
+<file path=ppt/slides/slide10.xml><?xml version="1.0" encoding="utf-8"?>
+<p:sld xmlns:a="http://schemas.openxmlformats.org/drawingml/2006/main" xmlns:r="http://schemas.openxmlformats.org/officeDocument/2006/relationships" xmlns:p="http://schemas.openxmlformats.org/presentationml/2006/main">
+  <p:cSld>
+    <p:spTree>
+      <p:nvGrpSpPr>
+        <p:cNvPr id="1" name=""/>
+        <p:cNvGrpSpPr/>
+        <p:nvPr/>
+      </p:nvGrpSpPr>
+      <p:grpSpPr>
+        <a:xfrm>
+          <a:off x="0" y="0"/>
+          <a:ext cx="0" cy="0"/>
+          <a:chOff x="0" y="0"/>
+          <a:chExt cx="0" cy="0"/>
+        </a:xfrm>
+      </p:grpSpPr>
+      <p:sp>
+        <p:nvSpPr>
+          <p:cNvPr id="2" name="Title 1">
+            <a:extLst>
+              <a:ext uri="{FF2B5EF4-FFF2-40B4-BE49-F238E27FC236}">
+                <a16:creationId xmlns:a16="http://schemas.microsoft.com/office/drawing/2014/main" id="{61BEB81E-B47F-2717-FD67-9833D7938969}"/>
+              </a:ext>
+            </a:extLst>
+          </p:cNvPr>
+          <p:cNvSpPr>
+            <a:spLocks noGrp="1"/>
+          </p:cNvSpPr>
+          <p:nvPr>
+            <p:ph type="title"/>
+          </p:nvPr>
+        </p:nvSpPr>
+        <p:spPr/>
+        <p:txBody>
+          <a:bodyPr/>
+          <a:lstStyle/>
+          <a:p>
+            <a:r>
+              <a:rPr lang="en-US" dirty="0"/>
+              <a:t>5m sim temperatures </a:t>
+            </a:r>
+          </a:p>
+        </p:txBody>
+      </p:sp>
+      <p:pic>
+        <p:nvPicPr>
+          <p:cNvPr id="4" name="Picture 3">
+            <a:extLst>
+              <a:ext uri="{FF2B5EF4-FFF2-40B4-BE49-F238E27FC236}">
+                <a16:creationId xmlns:a16="http://schemas.microsoft.com/office/drawing/2014/main" id="{CF5769F7-7FA0-A7F9-0898-8D26155A1752}"/>
+              </a:ext>
+            </a:extLst>
+          </p:cNvPr>
+          <p:cNvPicPr>
+            <a:picLocks noChangeAspect="1"/>
+          </p:cNvPicPr>
+          <p:nvPr/>
+        </p:nvPicPr>
+        <p:blipFill>
+          <a:blip r:embed="rId2"/>
+          <a:stretch>
+            <a:fillRect/>
+          </a:stretch>
+        </p:blipFill>
+        <p:spPr>
+          <a:xfrm>
+            <a:off x="-1" y="2039608"/>
+            <a:ext cx="5774267" cy="4818392"/>
+          </a:xfrm>
+          <a:prstGeom prst="rect">
+            <a:avLst/>
+          </a:prstGeom>
+        </p:spPr>
+      </p:pic>
+      <p:pic>
+        <p:nvPicPr>
+          <p:cNvPr id="6" name="Picture 5">
+            <a:extLst>
+              <a:ext uri="{FF2B5EF4-FFF2-40B4-BE49-F238E27FC236}">
+                <a16:creationId xmlns:a16="http://schemas.microsoft.com/office/drawing/2014/main" id="{3E9A4D3A-C7CC-7CE8-BE39-464D70A41B78}"/>
+              </a:ext>
+            </a:extLst>
+          </p:cNvPr>
+          <p:cNvPicPr>
+            <a:picLocks noChangeAspect="1"/>
+          </p:cNvPicPr>
+          <p:nvPr/>
+        </p:nvPicPr>
+        <p:blipFill>
+          <a:blip r:embed="rId3"/>
+          <a:stretch>
+            <a:fillRect/>
+          </a:stretch>
+        </p:blipFill>
+        <p:spPr>
+          <a:xfrm>
+            <a:off x="6417733" y="2055832"/>
+            <a:ext cx="5774267" cy="4802168"/>
+          </a:xfrm>
+          <a:prstGeom prst="rect">
+            <a:avLst/>
+          </a:prstGeom>
+        </p:spPr>
+      </p:pic>
+    </p:spTree>
+    <p:extLst>
+      <p:ext uri="{BB962C8B-B14F-4D97-AF65-F5344CB8AC3E}">
+        <p14:creationId xmlns:p14="http://schemas.microsoft.com/office/powerpoint/2010/main" val="1751340311"/>
+      </p:ext>
+    </p:extLst>
+  </p:cSld>
+  <p:clrMapOvr>
+    <a:masterClrMapping/>
+  </p:clrMapOvr>
+</p:sld>
+</file>
+
+<file path=ppt/slides/slide11.xml><?xml version="1.0" encoding="utf-8"?>
+<p:sld xmlns:a="http://schemas.openxmlformats.org/drawingml/2006/main" xmlns:r="http://schemas.openxmlformats.org/officeDocument/2006/relationships" xmlns:p="http://schemas.openxmlformats.org/presentationml/2006/main">
+  <p:cSld>
+    <p:spTree>
+      <p:nvGrpSpPr>
+        <p:cNvPr id="1" name=""/>
+        <p:cNvGrpSpPr/>
+        <p:nvPr/>
+      </p:nvGrpSpPr>
+      <p:grpSpPr>
+        <a:xfrm>
+          <a:off x="0" y="0"/>
+          <a:ext cx="0" cy="0"/>
+          <a:chOff x="0" y="0"/>
+          <a:chExt cx="0" cy="0"/>
+        </a:xfrm>
+      </p:grpSpPr>
+      <p:sp>
+        <p:nvSpPr>
+          <p:cNvPr id="2" name="Title 1">
+            <a:extLst>
+              <a:ext uri="{FF2B5EF4-FFF2-40B4-BE49-F238E27FC236}">
+                <a16:creationId xmlns:a16="http://schemas.microsoft.com/office/drawing/2014/main" id="{F7EFE11B-2C58-C357-5B21-AC0C4A06CB8A}"/>
+              </a:ext>
+            </a:extLst>
+          </p:cNvPr>
+          <p:cNvSpPr>
+            <a:spLocks noGrp="1"/>
+          </p:cNvSpPr>
+          <p:nvPr>
+            <p:ph type="title"/>
+          </p:nvPr>
+        </p:nvSpPr>
+        <p:spPr/>
+        <p:txBody>
+          <a:bodyPr/>
+          <a:lstStyle/>
+          <a:p>
+            <a:r>
+              <a:rPr lang="en-US" dirty="0"/>
+              <a:t>Nasa server updates</a:t>
+            </a:r>
+          </a:p>
+        </p:txBody>
+      </p:sp>
+      <p:sp>
+        <p:nvSpPr>
+          <p:cNvPr id="3" name="Content Placeholder 2">
+            <a:extLst>
+              <a:ext uri="{FF2B5EF4-FFF2-40B4-BE49-F238E27FC236}">
+                <a16:creationId xmlns:a16="http://schemas.microsoft.com/office/drawing/2014/main" id="{8D0E6356-6433-AEF1-9F8C-8D572FC5EBF3}"/>
+              </a:ext>
+            </a:extLst>
+          </p:cNvPr>
+          <p:cNvSpPr>
+            <a:spLocks noGrp="1"/>
+          </p:cNvSpPr>
+          <p:nvPr>
+            <p:ph idx="1"/>
+          </p:nvPr>
+        </p:nvSpPr>
+        <p:spPr/>
+        <p:txBody>
+          <a:bodyPr/>
+          <a:lstStyle/>
+          <a:p>
+            <a:r>
+              <a:rPr lang="en-US" dirty="0"/>
+              <a:t>This week on the Nasa server, I downloaded and began installing </a:t>
+            </a:r>
+            <a:r>
+              <a:rPr lang="en-US" dirty="0" err="1"/>
+              <a:t>wrfxpy</a:t>
+            </a:r>
+            <a:endParaRPr lang="en-US" dirty="0"/>
+          </a:p>
+          <a:p>
+            <a:r>
+              <a:rPr lang="en-US" dirty="0"/>
+              <a:t>I also installed Anaconda</a:t>
+            </a:r>
+          </a:p>
+          <a:p>
+            <a:pPr lvl="1"/>
+            <a:r>
+              <a:rPr lang="en-US" dirty="0"/>
+              <a:t>This is where I ran into some issues</a:t>
+            </a:r>
+          </a:p>
+          <a:p>
+            <a:r>
+              <a:rPr lang="en-US" dirty="0"/>
+              <a:t>The home directory is only 8gb and the scratch (nobackupp12) is only 1tb</a:t>
+            </a:r>
+          </a:p>
+          <a:p>
+            <a:r>
+              <a:rPr lang="en-US" dirty="0"/>
+              <a:t>To get more storage, I would need to use Lou, but I’m not able to run on there as that’s a storage server</a:t>
+            </a:r>
+          </a:p>
+          <a:p>
+            <a:r>
+              <a:rPr lang="en-US" dirty="0"/>
+              <a:t>If there’s a way to get the storage on </a:t>
+            </a:r>
+            <a:r>
+              <a:rPr lang="en-US" dirty="0" err="1"/>
+              <a:t>lou</a:t>
+            </a:r>
+            <a:r>
+              <a:rPr lang="en-US" dirty="0"/>
+              <a:t>, and have the necessary files (WRF-SFIRE, anaconda, WPS, WPS_GEOG), then I can install and run </a:t>
+            </a:r>
+            <a:r>
+              <a:rPr lang="en-US" dirty="0" err="1"/>
+              <a:t>wrfxpy</a:t>
+            </a:r>
+            <a:endParaRPr lang="en-US" dirty="0"/>
+          </a:p>
+          <a:p>
+            <a:endParaRPr lang="en-US" dirty="0"/>
+          </a:p>
+        </p:txBody>
+      </p:sp>
+    </p:spTree>
+    <p:extLst>
+      <p:ext uri="{BB962C8B-B14F-4D97-AF65-F5344CB8AC3E}">
+        <p14:creationId xmlns:p14="http://schemas.microsoft.com/office/powerpoint/2010/main" val="497929500"/>
+      </p:ext>
+    </p:extLst>
+  </p:cSld>
+  <p:clrMapOvr>
+    <a:masterClrMapping/>
+  </p:clrMapOvr>
+</p:sld>
+</file>
+
+<file path=ppt/slides/slide12.xml><?xml version="1.0" encoding="utf-8"?>
+<p:sld xmlns:a="http://schemas.openxmlformats.org/drawingml/2006/main" xmlns:r="http://schemas.openxmlformats.org/officeDocument/2006/relationships" xmlns:p="http://schemas.openxmlformats.org/presentationml/2006/main">
+  <p:cSld>
+    <p:spTree>
+      <p:nvGrpSpPr>
+        <p:cNvPr id="1" name=""/>
+        <p:cNvGrpSpPr/>
+        <p:nvPr/>
+      </p:nvGrpSpPr>
+      <p:grpSpPr>
+        <a:xfrm>
+          <a:off x="0" y="0"/>
+          <a:ext cx="0" cy="0"/>
+          <a:chOff x="0" y="0"/>
+          <a:chExt cx="0" cy="0"/>
+        </a:xfrm>
+      </p:grpSpPr>
+      <p:sp>
+        <p:nvSpPr>
+          <p:cNvPr id="2" name="Title 1">
+            <a:extLst>
+              <a:ext uri="{FF2B5EF4-FFF2-40B4-BE49-F238E27FC236}">
+                <a16:creationId xmlns:a16="http://schemas.microsoft.com/office/drawing/2014/main" id="{39AC0C18-479A-494E-47B3-4D5C4656F17C}"/>
+              </a:ext>
+            </a:extLst>
+          </p:cNvPr>
+          <p:cNvSpPr>
+            <a:spLocks noGrp="1"/>
+          </p:cNvSpPr>
+          <p:nvPr>
+            <p:ph type="title"/>
+          </p:nvPr>
+        </p:nvSpPr>
+        <p:spPr/>
+        <p:txBody>
+          <a:bodyPr/>
+          <a:lstStyle/>
+          <a:p>
+            <a:r>
+              <a:rPr lang="en-US" dirty="0"/>
+              <a:t>Nasa server updates</a:t>
+            </a:r>
+          </a:p>
+        </p:txBody>
+      </p:sp>
+      <p:sp>
+        <p:nvSpPr>
+          <p:cNvPr id="3" name="Content Placeholder 2">
+            <a:extLst>
+              <a:ext uri="{FF2B5EF4-FFF2-40B4-BE49-F238E27FC236}">
+                <a16:creationId xmlns:a16="http://schemas.microsoft.com/office/drawing/2014/main" id="{E48319F6-6033-F06D-F66D-E46993B63D4F}"/>
+              </a:ext>
+            </a:extLst>
+          </p:cNvPr>
+          <p:cNvSpPr>
+            <a:spLocks noGrp="1"/>
+          </p:cNvSpPr>
+          <p:nvPr>
+            <p:ph idx="1"/>
+          </p:nvPr>
+        </p:nvSpPr>
+        <p:spPr/>
+        <p:txBody>
+          <a:bodyPr/>
+          <a:lstStyle/>
+          <a:p>
+            <a:r>
+              <a:rPr lang="en-US" dirty="0"/>
+              <a:t>To fix these issues, I emailed the support for more storage, and I moved installed globus on their server</a:t>
+            </a:r>
+          </a:p>
+          <a:p>
+            <a:r>
+              <a:rPr lang="en-US" dirty="0"/>
+              <a:t>I have transferred WPS_GEOG over to the server and am awaiting my </a:t>
+            </a:r>
+            <a:r>
+              <a:rPr lang="en-US" dirty="0" err="1"/>
+              <a:t>swbuild</a:t>
+            </a:r>
+            <a:r>
+              <a:rPr lang="en-US" dirty="0"/>
+              <a:t> account to install anaconda, WRF-SFIRE, WPS, and </a:t>
+            </a:r>
+            <a:r>
+              <a:rPr lang="en-US" dirty="0" err="1"/>
+              <a:t>wrfxpy</a:t>
+            </a:r>
+            <a:endParaRPr lang="en-US" dirty="0"/>
+          </a:p>
+          <a:p>
+            <a:r>
+              <a:rPr lang="en-US" dirty="0"/>
+              <a:t>Now I can really start to build </a:t>
+            </a:r>
+            <a:r>
+              <a:rPr lang="en-US" dirty="0" err="1"/>
+              <a:t>wrfxpy</a:t>
+            </a:r>
+            <a:endParaRPr lang="en-US" dirty="0"/>
+          </a:p>
+        </p:txBody>
+      </p:sp>
+    </p:spTree>
+    <p:extLst>
+      <p:ext uri="{BB962C8B-B14F-4D97-AF65-F5344CB8AC3E}">
+        <p14:creationId xmlns:p14="http://schemas.microsoft.com/office/powerpoint/2010/main" val="1095472179"/>
+      </p:ext>
+    </p:extLst>
+  </p:cSld>
+  <p:clrMapOvr>
+    <a:masterClrMapping/>
+  </p:clrMapOvr>
+</p:sld>
+</file>
+
+<file path=ppt/slides/slide13.xml><?xml version="1.0" encoding="utf-8"?>
+<p:sld xmlns:a="http://schemas.openxmlformats.org/drawingml/2006/main" xmlns:r="http://schemas.openxmlformats.org/officeDocument/2006/relationships" xmlns:p="http://schemas.openxmlformats.org/presentationml/2006/main">
+  <p:cSld>
+    <p:spTree>
+      <p:nvGrpSpPr>
+        <p:cNvPr id="1" name=""/>
+        <p:cNvGrpSpPr/>
+        <p:nvPr/>
+      </p:nvGrpSpPr>
+      <p:grpSpPr>
+        <a:xfrm>
+          <a:off x="0" y="0"/>
+          <a:ext cx="0" cy="0"/>
+          <a:chOff x="0" y="0"/>
+          <a:chExt cx="0" cy="0"/>
+        </a:xfrm>
+      </p:grpSpPr>
+      <p:sp>
+        <p:nvSpPr>
+          <p:cNvPr id="2" name="Title 1">
+            <a:extLst>
+              <a:ext uri="{FF2B5EF4-FFF2-40B4-BE49-F238E27FC236}">
+                <a16:creationId xmlns:a16="http://schemas.microsoft.com/office/drawing/2014/main" id="{0D938624-61B2-A5BD-CF61-17A09E56F91A}"/>
+              </a:ext>
+            </a:extLst>
+          </p:cNvPr>
+          <p:cNvSpPr>
+            <a:spLocks noGrp="1"/>
+          </p:cNvSpPr>
+          <p:nvPr>
+            <p:ph type="title"/>
+          </p:nvPr>
+        </p:nvSpPr>
+        <p:spPr/>
+        <p:txBody>
+          <a:bodyPr/>
+          <a:lstStyle/>
+          <a:p>
+            <a:r>
+              <a:rPr lang="en-US" dirty="0"/>
+              <a:t>WRF and </a:t>
+            </a:r>
+            <a:r>
+              <a:rPr lang="en-US" dirty="0" err="1"/>
+              <a:t>wrf-sfire</a:t>
+            </a:r>
+            <a:r>
+              <a:rPr lang="en-US" dirty="0"/>
+              <a:t> </a:t>
+            </a:r>
+            <a:r>
+              <a:rPr lang="en-US" dirty="0" err="1"/>
+              <a:t>namelist.fire</a:t>
+            </a:r>
+            <a:endParaRPr lang="en-US" dirty="0"/>
+          </a:p>
+        </p:txBody>
+      </p:sp>
+      <p:sp>
+        <p:nvSpPr>
+          <p:cNvPr id="3" name="Content Placeholder 2">
+            <a:extLst>
+              <a:ext uri="{FF2B5EF4-FFF2-40B4-BE49-F238E27FC236}">
+                <a16:creationId xmlns:a16="http://schemas.microsoft.com/office/drawing/2014/main" id="{6E5AD247-C24B-6718-5F21-1CD8C2337E30}"/>
+              </a:ext>
+            </a:extLst>
+          </p:cNvPr>
+          <p:cNvSpPr>
+            <a:spLocks noGrp="1"/>
+          </p:cNvSpPr>
+          <p:nvPr>
+            <p:ph idx="1"/>
+          </p:nvPr>
+        </p:nvSpPr>
+        <p:spPr/>
+        <p:txBody>
+          <a:bodyPr/>
+          <a:lstStyle/>
+          <a:p>
+            <a:r>
+              <a:rPr lang="en-US" dirty="0"/>
+              <a:t>After taking a look at the WRF directory, there are only two test cases that I can use</a:t>
+            </a:r>
+          </a:p>
+          <a:p>
+            <a:pPr lvl="1"/>
+            <a:r>
+              <a:rPr lang="en-US" dirty="0"/>
+              <a:t>Rain</a:t>
+            </a:r>
+          </a:p>
+          <a:p>
+            <a:pPr lvl="1"/>
+            <a:r>
+              <a:rPr lang="en-US" dirty="0" err="1"/>
+              <a:t>Two_fires</a:t>
+            </a:r>
+            <a:endParaRPr lang="en-US" dirty="0"/>
+          </a:p>
+          <a:p>
+            <a:r>
+              <a:rPr lang="en-US" dirty="0"/>
+              <a:t>The ultimate goal of this task is to compare the </a:t>
+            </a:r>
+            <a:r>
+              <a:rPr lang="en-US" dirty="0" err="1"/>
+              <a:t>namelist.fire</a:t>
+            </a:r>
+            <a:r>
+              <a:rPr lang="en-US" dirty="0"/>
+              <a:t> files</a:t>
+            </a:r>
+          </a:p>
+          <a:p>
+            <a:r>
+              <a:rPr lang="en-US" dirty="0"/>
+              <a:t>After running diff on them, it turns out they are the same file and they did not implement the 40 Scott and Burgan categories</a:t>
+            </a:r>
+          </a:p>
+          <a:p>
+            <a:r>
+              <a:rPr lang="en-US" dirty="0"/>
+              <a:t>I looked through the different branches as well and the last update to the </a:t>
+            </a:r>
+            <a:r>
+              <a:rPr lang="en-US" dirty="0" err="1"/>
+              <a:t>namelist.fire</a:t>
+            </a:r>
+            <a:r>
+              <a:rPr lang="en-US" dirty="0"/>
+              <a:t> file was 12 years ago, even in the most recent branches</a:t>
+            </a:r>
+          </a:p>
+        </p:txBody>
+      </p:sp>
+    </p:spTree>
+    <p:extLst>
+      <p:ext uri="{BB962C8B-B14F-4D97-AF65-F5344CB8AC3E}">
+        <p14:creationId xmlns:p14="http://schemas.microsoft.com/office/powerpoint/2010/main" val="3417294086"/>
+      </p:ext>
+    </p:extLst>
+  </p:cSld>
+  <p:clrMapOvr>
+    <a:masterClrMapping/>
+  </p:clrMapOvr>
+</p:sld>
+</file>
+
+<file path=ppt/slides/slide14.xml><?xml version="1.0" encoding="utf-8"?>
+<p:sld xmlns:a="http://schemas.openxmlformats.org/drawingml/2006/main" xmlns:r="http://schemas.openxmlformats.org/officeDocument/2006/relationships" xmlns:p="http://schemas.openxmlformats.org/presentationml/2006/main">
+  <p:cSld>
+    <p:spTree>
+      <p:nvGrpSpPr>
+        <p:cNvPr id="1" name=""/>
+        <p:cNvGrpSpPr/>
+        <p:nvPr/>
+      </p:nvGrpSpPr>
+      <p:grpSpPr>
+        <a:xfrm>
+          <a:off x="0" y="0"/>
+          <a:ext cx="0" cy="0"/>
+          <a:chOff x="0" y="0"/>
+          <a:chExt cx="0" cy="0"/>
+        </a:xfrm>
+      </p:grpSpPr>
+      <p:sp>
+        <p:nvSpPr>
+          <p:cNvPr id="2" name="Title 1">
+            <a:extLst>
+              <a:ext uri="{FF2B5EF4-FFF2-40B4-BE49-F238E27FC236}">
+                <a16:creationId xmlns:a16="http://schemas.microsoft.com/office/drawing/2014/main" id="{C8E297DE-9649-2111-DD73-337A0EE9D933}"/>
+              </a:ext>
+            </a:extLst>
+          </p:cNvPr>
+          <p:cNvSpPr>
+            <a:spLocks noGrp="1"/>
+          </p:cNvSpPr>
+          <p:nvPr>
+            <p:ph type="title"/>
+          </p:nvPr>
+        </p:nvSpPr>
+        <p:spPr/>
+        <p:txBody>
+          <a:bodyPr/>
+          <a:lstStyle/>
+          <a:p>
+            <a:r>
+              <a:rPr lang="en-US" dirty="0"/>
+              <a:t>To do</a:t>
+            </a:r>
+          </a:p>
+        </p:txBody>
+      </p:sp>
+      <p:sp>
+        <p:nvSpPr>
+          <p:cNvPr id="3" name="Content Placeholder 2">
+            <a:extLst>
+              <a:ext uri="{FF2B5EF4-FFF2-40B4-BE49-F238E27FC236}">
+                <a16:creationId xmlns:a16="http://schemas.microsoft.com/office/drawing/2014/main" id="{7B1466A6-E820-C583-FF23-4A147C80FBE1}"/>
+              </a:ext>
+            </a:extLst>
+          </p:cNvPr>
+          <p:cNvSpPr>
+            <a:spLocks noGrp="1"/>
+          </p:cNvSpPr>
+          <p:nvPr>
+            <p:ph idx="1"/>
+          </p:nvPr>
+        </p:nvSpPr>
+        <p:spPr>
+          <a:xfrm>
+            <a:off x="685800" y="1182414"/>
+            <a:ext cx="10820400" cy="5036271"/>
+          </a:xfrm>
+        </p:spPr>
+        <p:txBody>
+          <a:bodyPr>
+            <a:noAutofit/>
+          </a:bodyPr>
+          <a:lstStyle/>
+          <a:p>
+            <a:r>
+              <a:rPr lang="en-US" sz="1000" dirty="0">
+                <a:latin typeface="+mj-lt"/>
+              </a:rPr>
+              <a:t>Install anaconda on the </a:t>
+            </a:r>
+            <a:r>
+              <a:rPr lang="en-US" sz="1000" dirty="0" err="1">
+                <a:latin typeface="+mj-lt"/>
+              </a:rPr>
+              <a:t>nasa</a:t>
+            </a:r>
+            <a:r>
+              <a:rPr lang="en-US" sz="1000" dirty="0">
+                <a:latin typeface="+mj-lt"/>
+              </a:rPr>
+              <a:t> server (again)</a:t>
+            </a:r>
+          </a:p>
+          <a:p>
+            <a:pPr lvl="1"/>
+            <a:r>
+              <a:rPr lang="en-US" sz="1000" dirty="0">
+                <a:latin typeface="+mj-lt"/>
+              </a:rPr>
+              <a:t>Waiting on my </a:t>
+            </a:r>
+            <a:r>
+              <a:rPr lang="en-US" sz="1000" dirty="0" err="1">
+                <a:latin typeface="+mj-lt"/>
+              </a:rPr>
+              <a:t>swbuild</a:t>
+            </a:r>
+            <a:endParaRPr lang="en-US" sz="1000" dirty="0">
+              <a:latin typeface="+mj-lt"/>
+            </a:endParaRPr>
+          </a:p>
+          <a:p>
+            <a:r>
+              <a:rPr lang="en-US" sz="1000" dirty="0">
+                <a:latin typeface="+mj-lt"/>
+              </a:rPr>
+              <a:t>Configure and compile WRF-SFIRE with </a:t>
+            </a:r>
+            <a:r>
+              <a:rPr lang="en-US" sz="1000" dirty="0" err="1">
+                <a:latin typeface="+mj-lt"/>
+              </a:rPr>
+              <a:t>dmpar</a:t>
+            </a:r>
+            <a:endParaRPr lang="en-US" sz="1000" dirty="0">
+              <a:latin typeface="+mj-lt"/>
+            </a:endParaRPr>
+          </a:p>
+          <a:p>
+            <a:pPr lvl="1"/>
+            <a:r>
+              <a:rPr lang="en-US" sz="1000" dirty="0">
+                <a:latin typeface="+mj-lt"/>
+              </a:rPr>
+              <a:t>Waiting on my </a:t>
+            </a:r>
+            <a:r>
+              <a:rPr lang="en-US" sz="1000" dirty="0" err="1">
+                <a:latin typeface="+mj-lt"/>
+              </a:rPr>
+              <a:t>swbuild</a:t>
+            </a:r>
+            <a:endParaRPr lang="en-US" sz="1000" dirty="0">
+              <a:latin typeface="+mj-lt"/>
+            </a:endParaRPr>
+          </a:p>
+          <a:p>
+            <a:r>
+              <a:rPr lang="en-US" sz="1000" dirty="0">
+                <a:latin typeface="+mj-lt"/>
+              </a:rPr>
+              <a:t>Install </a:t>
+            </a:r>
+            <a:r>
+              <a:rPr lang="en-US" sz="1000" dirty="0" err="1">
+                <a:latin typeface="+mj-lt"/>
+              </a:rPr>
+              <a:t>wrfxpy</a:t>
+            </a:r>
+            <a:endParaRPr lang="en-US" sz="1000" dirty="0">
+              <a:latin typeface="+mj-lt"/>
+            </a:endParaRPr>
+          </a:p>
+          <a:p>
+            <a:pPr lvl="1"/>
+            <a:r>
+              <a:rPr lang="en-US" sz="1000" dirty="0">
+                <a:latin typeface="+mj-lt"/>
+              </a:rPr>
+              <a:t>Waiting on my </a:t>
+            </a:r>
+            <a:r>
+              <a:rPr lang="en-US" sz="1000" dirty="0" err="1">
+                <a:latin typeface="+mj-lt"/>
+              </a:rPr>
+              <a:t>swbuild</a:t>
+            </a:r>
+            <a:endParaRPr lang="en-US" sz="1000" dirty="0">
+              <a:latin typeface="+mj-lt"/>
+            </a:endParaRPr>
+          </a:p>
+          <a:p>
+            <a:r>
+              <a:rPr lang="en-US" sz="1000" dirty="0">
+                <a:latin typeface="+mj-lt"/>
+              </a:rPr>
+              <a:t>Update the fuel categories in the </a:t>
+            </a:r>
+            <a:r>
+              <a:rPr lang="en-US" sz="1000" dirty="0" err="1">
+                <a:latin typeface="+mj-lt"/>
+              </a:rPr>
+              <a:t>namelist.fire</a:t>
+            </a:r>
+            <a:r>
+              <a:rPr lang="en-US" sz="1000" dirty="0">
+                <a:latin typeface="+mj-lt"/>
+              </a:rPr>
+              <a:t> based on the Scott and </a:t>
+            </a:r>
+            <a:r>
+              <a:rPr lang="en-US" sz="1000" dirty="0" err="1">
+                <a:latin typeface="+mj-lt"/>
+              </a:rPr>
+              <a:t>Burgen</a:t>
+            </a:r>
+            <a:r>
+              <a:rPr lang="en-US" sz="1000" dirty="0">
+                <a:latin typeface="+mj-lt"/>
+              </a:rPr>
+              <a:t> fuel categories</a:t>
+            </a:r>
+          </a:p>
+          <a:p>
+            <a:r>
+              <a:rPr lang="en-US" sz="1000" dirty="0">
+                <a:latin typeface="+mj-lt"/>
+              </a:rPr>
+              <a:t>Analyze the 5m resolution FF2 simulation</a:t>
+            </a:r>
+          </a:p>
+          <a:p>
+            <a:pPr lvl="1"/>
+            <a:r>
+              <a:rPr lang="en-US" sz="1000" dirty="0">
+                <a:latin typeface="+mj-lt"/>
+              </a:rPr>
+              <a:t>In progress</a:t>
+            </a:r>
+          </a:p>
+          <a:p>
+            <a:r>
+              <a:rPr lang="en-US" sz="1000" dirty="0">
+                <a:latin typeface="+mj-lt"/>
+              </a:rPr>
+              <a:t>Analyze the 10m FF2 simulations and compare the fire and no fire run</a:t>
+            </a:r>
+          </a:p>
+          <a:p>
+            <a:r>
+              <a:rPr lang="en-US" sz="1000" dirty="0">
+                <a:latin typeface="+mj-lt"/>
+              </a:rPr>
+              <a:t>Create a presentation about my </a:t>
+            </a:r>
+            <a:r>
+              <a:rPr lang="en-US" sz="1000" dirty="0" err="1">
+                <a:latin typeface="+mj-lt"/>
+              </a:rPr>
+              <a:t>Balbi</a:t>
+            </a:r>
+            <a:r>
+              <a:rPr lang="en-US" sz="1000" dirty="0">
+                <a:latin typeface="+mj-lt"/>
+              </a:rPr>
+              <a:t> model findings</a:t>
+            </a:r>
+          </a:p>
+          <a:p>
+            <a:r>
+              <a:rPr lang="en-US" sz="1000" dirty="0">
+                <a:latin typeface="+mj-lt"/>
+              </a:rPr>
+              <a:t>Identify the flame length in the videos from </a:t>
+            </a:r>
+            <a:r>
+              <a:rPr lang="en-US" sz="1000" dirty="0" err="1">
+                <a:latin typeface="+mj-lt"/>
+              </a:rPr>
+              <a:t>Aurelien</a:t>
+            </a:r>
+            <a:endParaRPr lang="en-US" sz="1000" dirty="0">
+              <a:latin typeface="+mj-lt"/>
+            </a:endParaRPr>
+          </a:p>
+          <a:p>
+            <a:pPr lvl="1"/>
+            <a:r>
+              <a:rPr lang="en-US" sz="1000" b="0" i="0" dirty="0">
+                <a:effectLst/>
+                <a:latin typeface="+mj-lt"/>
+              </a:rPr>
+              <a:t>Generalization of </a:t>
+            </a:r>
+            <a:r>
+              <a:rPr lang="en-US" sz="1000" b="0" i="0" dirty="0" err="1">
+                <a:effectLst/>
+                <a:latin typeface="+mj-lt"/>
+              </a:rPr>
+              <a:t>Balbi</a:t>
+            </a:r>
+            <a:r>
+              <a:rPr lang="en-US" sz="1000" b="0" i="0" dirty="0">
+                <a:effectLst/>
+                <a:latin typeface="+mj-lt"/>
+              </a:rPr>
+              <a:t> model for WRF-SFIRE</a:t>
+            </a:r>
+            <a:endParaRPr lang="en-US" sz="1000" dirty="0">
+              <a:latin typeface="+mj-lt"/>
+            </a:endParaRPr>
+          </a:p>
+          <a:p>
+            <a:r>
+              <a:rPr lang="en-US" sz="1000" dirty="0">
+                <a:latin typeface="+mj-lt"/>
+              </a:rPr>
+              <a:t>Look at the backfire ROS and the flank ROS observed during the FF2.</a:t>
+            </a:r>
+          </a:p>
+          <a:p>
+            <a:pPr lvl="1"/>
+            <a:r>
+              <a:rPr lang="en-US" sz="1000" b="0" i="0" dirty="0">
+                <a:effectLst/>
+                <a:latin typeface="+mj-lt"/>
+              </a:rPr>
+              <a:t>Generalization of </a:t>
+            </a:r>
+            <a:r>
+              <a:rPr lang="en-US" sz="1000" b="0" i="0" dirty="0" err="1">
+                <a:effectLst/>
+                <a:latin typeface="+mj-lt"/>
+              </a:rPr>
+              <a:t>Balbi</a:t>
+            </a:r>
+            <a:r>
+              <a:rPr lang="en-US" sz="1000" b="0" i="0" dirty="0">
+                <a:effectLst/>
+                <a:latin typeface="+mj-lt"/>
+              </a:rPr>
+              <a:t> model for WRF-SFIRE</a:t>
+            </a:r>
+          </a:p>
+          <a:p>
+            <a:r>
+              <a:rPr lang="en-US" sz="1000" dirty="0">
+                <a:latin typeface="+mj-lt"/>
+              </a:rPr>
+              <a:t>Read and analyze the </a:t>
+            </a:r>
+            <a:r>
+              <a:rPr lang="en-US" sz="1000" dirty="0" err="1">
+                <a:latin typeface="+mj-lt"/>
+              </a:rPr>
+              <a:t>Balbi</a:t>
+            </a:r>
+            <a:r>
+              <a:rPr lang="en-US" sz="1000" dirty="0">
+                <a:latin typeface="+mj-lt"/>
+              </a:rPr>
+              <a:t> 2007 paper (164)</a:t>
+            </a:r>
+          </a:p>
+          <a:p>
+            <a:r>
+              <a:rPr lang="en-US" sz="1000" dirty="0">
+                <a:latin typeface="+mj-lt"/>
+              </a:rPr>
+              <a:t>Test the </a:t>
+            </a:r>
+            <a:r>
+              <a:rPr lang="en-US" sz="1000" dirty="0" err="1">
+                <a:latin typeface="+mj-lt"/>
+              </a:rPr>
+              <a:t>Rothermel</a:t>
+            </a:r>
+            <a:r>
+              <a:rPr lang="en-US" sz="1000" dirty="0">
+                <a:latin typeface="+mj-lt"/>
+              </a:rPr>
+              <a:t> model (164)</a:t>
+            </a:r>
+          </a:p>
+          <a:p>
+            <a:r>
+              <a:rPr lang="en-US" sz="1000" dirty="0">
+                <a:latin typeface="+mj-lt"/>
+              </a:rPr>
+              <a:t>Go to Canyon Burn</a:t>
+            </a:r>
+          </a:p>
+          <a:p>
+            <a:r>
+              <a:rPr lang="en-US" sz="1000" dirty="0">
+                <a:latin typeface="+mj-lt"/>
+              </a:rPr>
+              <a:t>Cross section plot</a:t>
+            </a:r>
+          </a:p>
+          <a:p>
+            <a:pPr lvl="1"/>
+            <a:r>
+              <a:rPr lang="en-US" sz="1000" dirty="0">
+                <a:latin typeface="+mj-lt"/>
+              </a:rPr>
+              <a:t>Horizontal wind and temperature, and fire location (</a:t>
+            </a:r>
+            <a:r>
+              <a:rPr lang="en-US" sz="1000" dirty="0" err="1">
+                <a:latin typeface="+mj-lt"/>
+              </a:rPr>
+              <a:t>animation.py</a:t>
+            </a:r>
+            <a:r>
+              <a:rPr lang="en-US" sz="1000" dirty="0">
+                <a:latin typeface="+mj-lt"/>
+              </a:rPr>
+              <a:t>)</a:t>
+            </a:r>
+          </a:p>
+          <a:p>
+            <a:r>
+              <a:rPr lang="en-US" sz="1000" dirty="0">
+                <a:latin typeface="+mj-lt"/>
+              </a:rPr>
+              <a:t>Thermocouples</a:t>
+            </a:r>
+          </a:p>
+          <a:p>
+            <a:r>
+              <a:rPr lang="en-US" sz="1000" dirty="0">
+                <a:latin typeface="+mj-lt"/>
+              </a:rPr>
+              <a:t>Check differences between 5m and 10m run </a:t>
+            </a:r>
+          </a:p>
+          <a:p>
+            <a:pPr lvl="1"/>
+            <a:r>
+              <a:rPr lang="en-US" sz="1000" dirty="0">
+                <a:latin typeface="+mj-lt"/>
+              </a:rPr>
+              <a:t>Fire propagation is different among the plots (the south and west tower)</a:t>
+            </a:r>
+          </a:p>
+        </p:txBody>
+      </p:sp>
+    </p:spTree>
+    <p:extLst>
+      <p:ext uri="{BB962C8B-B14F-4D97-AF65-F5344CB8AC3E}">
+        <p14:creationId xmlns:p14="http://schemas.microsoft.com/office/powerpoint/2010/main" val="1953034295"/>
+      </p:ext>
+    </p:extLst>
+  </p:cSld>
+  <p:clrMapOvr>
+    <a:masterClrMapping/>
+  </p:clrMapOvr>
+</p:sld>
+</file>
+
+<file path=ppt/slides/slide15.xml><?xml version="1.0" encoding="utf-8"?>
+<p:sld xmlns:a="http://schemas.openxmlformats.org/drawingml/2006/main" xmlns:r="http://schemas.openxmlformats.org/officeDocument/2006/relationships" xmlns:p="http://schemas.openxmlformats.org/presentationml/2006/main">
+  <p:cSld>
+    <p:spTree>
+      <p:nvGrpSpPr>
+        <p:cNvPr id="1" name=""/>
+        <p:cNvGrpSpPr/>
+        <p:nvPr/>
+      </p:nvGrpSpPr>
+      <p:grpSpPr>
+        <a:xfrm>
+          <a:off x="0" y="0"/>
+          <a:ext cx="0" cy="0"/>
+          <a:chOff x="0" y="0"/>
+          <a:chExt cx="0" cy="0"/>
+        </a:xfrm>
+      </p:grpSpPr>
+      <p:sp>
+        <p:nvSpPr>
+          <p:cNvPr id="2" name="Title 1">
+            <a:extLst>
+              <a:ext uri="{FF2B5EF4-FFF2-40B4-BE49-F238E27FC236}">
+                <a16:creationId xmlns:a16="http://schemas.microsoft.com/office/drawing/2014/main" id="{C8E297DE-9649-2111-DD73-337A0EE9D933}"/>
+              </a:ext>
+            </a:extLst>
+          </p:cNvPr>
+          <p:cNvSpPr>
+            <a:spLocks noGrp="1"/>
+          </p:cNvSpPr>
+          <p:nvPr>
+            <p:ph type="title"/>
+          </p:nvPr>
+        </p:nvSpPr>
+        <p:spPr/>
+        <p:txBody>
+          <a:bodyPr/>
+          <a:lstStyle/>
+          <a:p>
+            <a:r>
+              <a:rPr lang="en-US" dirty="0"/>
+              <a:t>To do</a:t>
+            </a:r>
+          </a:p>
+        </p:txBody>
+      </p:sp>
+      <p:sp>
+        <p:nvSpPr>
+          <p:cNvPr id="3" name="Content Placeholder 2">
+            <a:extLst>
+              <a:ext uri="{FF2B5EF4-FFF2-40B4-BE49-F238E27FC236}">
+                <a16:creationId xmlns:a16="http://schemas.microsoft.com/office/drawing/2014/main" id="{7B1466A6-E820-C583-FF23-4A147C80FBE1}"/>
+              </a:ext>
+            </a:extLst>
+          </p:cNvPr>
+          <p:cNvSpPr>
+            <a:spLocks noGrp="1"/>
+          </p:cNvSpPr>
+          <p:nvPr>
+            <p:ph idx="1"/>
+          </p:nvPr>
+        </p:nvSpPr>
+        <p:spPr>
+          <a:xfrm>
+            <a:off x="685800" y="1182414"/>
+            <a:ext cx="10820400" cy="5036271"/>
+          </a:xfrm>
+        </p:spPr>
+        <p:txBody>
+          <a:bodyPr>
+            <a:noAutofit/>
+          </a:bodyPr>
+          <a:lstStyle/>
+          <a:p>
+            <a:r>
+              <a:rPr lang="en-US" sz="1000" dirty="0">
+                <a:latin typeface="+mj-lt"/>
+              </a:rPr>
+              <a:t>Analyze the 5m resolution FF2 simulation</a:t>
+            </a:r>
+          </a:p>
+          <a:p>
+            <a:pPr lvl="1"/>
+            <a:r>
+              <a:rPr lang="en-US" sz="1000" dirty="0">
+                <a:latin typeface="+mj-lt"/>
+              </a:rPr>
+              <a:t>In progress</a:t>
+            </a:r>
+          </a:p>
+          <a:p>
+            <a:r>
+              <a:rPr lang="en-US" sz="1000" dirty="0">
+                <a:latin typeface="+mj-lt"/>
+              </a:rPr>
+              <a:t>Analyze the 10m FF2 simulations and compare the fire and no fire run</a:t>
+            </a:r>
+          </a:p>
+          <a:p>
+            <a:r>
+              <a:rPr lang="en-US" sz="1000" dirty="0">
+                <a:latin typeface="+mj-lt"/>
+              </a:rPr>
+              <a:t>Create a presentation about my </a:t>
+            </a:r>
+            <a:r>
+              <a:rPr lang="en-US" sz="1000" dirty="0" err="1">
+                <a:latin typeface="+mj-lt"/>
+              </a:rPr>
+              <a:t>Balbi</a:t>
+            </a:r>
+            <a:r>
+              <a:rPr lang="en-US" sz="1000" dirty="0">
+                <a:latin typeface="+mj-lt"/>
+              </a:rPr>
+              <a:t> model findings</a:t>
+            </a:r>
+          </a:p>
+          <a:p>
+            <a:r>
+              <a:rPr lang="en-US" sz="1000" dirty="0">
+                <a:latin typeface="+mj-lt"/>
+              </a:rPr>
+              <a:t>Identify the flame length in the videos from </a:t>
+            </a:r>
+            <a:r>
+              <a:rPr lang="en-US" sz="1000" dirty="0" err="1">
+                <a:latin typeface="+mj-lt"/>
+              </a:rPr>
+              <a:t>Aurelien</a:t>
+            </a:r>
+            <a:endParaRPr lang="en-US" sz="1000" dirty="0">
+              <a:latin typeface="+mj-lt"/>
+            </a:endParaRPr>
+          </a:p>
+          <a:p>
+            <a:pPr lvl="1"/>
+            <a:r>
+              <a:rPr lang="en-US" sz="1000" b="0" i="0" dirty="0">
+                <a:effectLst/>
+                <a:latin typeface="+mj-lt"/>
+              </a:rPr>
+              <a:t>Generalization of </a:t>
+            </a:r>
+            <a:r>
+              <a:rPr lang="en-US" sz="1000" b="0" i="0" dirty="0" err="1">
+                <a:effectLst/>
+                <a:latin typeface="+mj-lt"/>
+              </a:rPr>
+              <a:t>Balbi</a:t>
+            </a:r>
+            <a:r>
+              <a:rPr lang="en-US" sz="1000" b="0" i="0" dirty="0">
+                <a:effectLst/>
+                <a:latin typeface="+mj-lt"/>
+              </a:rPr>
+              <a:t> model for WRF-SFIRE</a:t>
+            </a:r>
+            <a:endParaRPr lang="en-US" sz="1000" dirty="0">
+              <a:latin typeface="+mj-lt"/>
+            </a:endParaRPr>
+          </a:p>
+          <a:p>
+            <a:r>
+              <a:rPr lang="en-US" sz="1000" dirty="0">
+                <a:latin typeface="+mj-lt"/>
+              </a:rPr>
+              <a:t>Look at the backfire ROS and the flank ROS observed during the FF2.</a:t>
+            </a:r>
+          </a:p>
+          <a:p>
+            <a:pPr lvl="1"/>
+            <a:r>
+              <a:rPr lang="en-US" sz="1000" b="0" i="0" dirty="0">
+                <a:effectLst/>
+                <a:latin typeface="+mj-lt"/>
+              </a:rPr>
+              <a:t>Generalization of </a:t>
+            </a:r>
+            <a:r>
+              <a:rPr lang="en-US" sz="1000" b="0" i="0" dirty="0" err="1">
+                <a:effectLst/>
+                <a:latin typeface="+mj-lt"/>
+              </a:rPr>
+              <a:t>Balbi</a:t>
+            </a:r>
+            <a:r>
+              <a:rPr lang="en-US" sz="1000" b="0" i="0" dirty="0">
+                <a:effectLst/>
+                <a:latin typeface="+mj-lt"/>
+              </a:rPr>
+              <a:t> model for WRF-SFIRE</a:t>
+            </a:r>
+          </a:p>
+          <a:p>
+            <a:r>
+              <a:rPr lang="en-US" sz="1000" dirty="0">
+                <a:latin typeface="+mj-lt"/>
+              </a:rPr>
+              <a:t>Read and analyze the </a:t>
+            </a:r>
+            <a:r>
+              <a:rPr lang="en-US" sz="1000" dirty="0" err="1">
+                <a:latin typeface="+mj-lt"/>
+              </a:rPr>
+              <a:t>Balbi</a:t>
+            </a:r>
+            <a:r>
+              <a:rPr lang="en-US" sz="1000" dirty="0">
+                <a:latin typeface="+mj-lt"/>
+              </a:rPr>
+              <a:t> 2007 paper (164)</a:t>
+            </a:r>
+          </a:p>
+          <a:p>
+            <a:r>
+              <a:rPr lang="en-US" sz="1000" dirty="0">
+                <a:latin typeface="+mj-lt"/>
+              </a:rPr>
+              <a:t>Test the </a:t>
+            </a:r>
+            <a:r>
+              <a:rPr lang="en-US" sz="1000" dirty="0" err="1">
+                <a:latin typeface="+mj-lt"/>
+              </a:rPr>
+              <a:t>Rothermel</a:t>
+            </a:r>
+            <a:r>
+              <a:rPr lang="en-US" sz="1000" dirty="0">
+                <a:latin typeface="+mj-lt"/>
+              </a:rPr>
+              <a:t> model (164)</a:t>
+            </a:r>
+          </a:p>
+          <a:p>
+            <a:r>
+              <a:rPr lang="en-US" sz="1000" dirty="0">
+                <a:latin typeface="+mj-lt"/>
+              </a:rPr>
+              <a:t>Go to Canyon Burn</a:t>
+            </a:r>
+          </a:p>
+          <a:p>
+            <a:r>
+              <a:rPr lang="en-US" sz="1000" dirty="0">
+                <a:latin typeface="+mj-lt"/>
+              </a:rPr>
+              <a:t>Cross section plot</a:t>
+            </a:r>
+          </a:p>
+          <a:p>
+            <a:pPr lvl="1"/>
+            <a:r>
+              <a:rPr lang="en-US" sz="1000" dirty="0">
+                <a:latin typeface="+mj-lt"/>
+              </a:rPr>
+              <a:t>Horizontal wind and temperature, and fire location (</a:t>
+            </a:r>
+            <a:r>
+              <a:rPr lang="en-US" sz="1000" dirty="0" err="1">
+                <a:latin typeface="+mj-lt"/>
+              </a:rPr>
+              <a:t>animation.py</a:t>
+            </a:r>
+            <a:r>
+              <a:rPr lang="en-US" sz="1000" dirty="0">
+                <a:latin typeface="+mj-lt"/>
+              </a:rPr>
+              <a:t>)</a:t>
+            </a:r>
+          </a:p>
+          <a:p>
+            <a:r>
+              <a:rPr lang="en-US" sz="1000" dirty="0">
+                <a:latin typeface="+mj-lt"/>
+              </a:rPr>
+              <a:t>Thermocouples</a:t>
+            </a:r>
+          </a:p>
+          <a:p>
+            <a:r>
+              <a:rPr lang="en-US" sz="1000" dirty="0">
+                <a:latin typeface="+mj-lt"/>
+              </a:rPr>
+              <a:t>Check differences between 5m and 10m run </a:t>
+            </a:r>
+          </a:p>
+          <a:p>
+            <a:pPr lvl="1"/>
+            <a:r>
+              <a:rPr lang="en-US" sz="1000" dirty="0">
+                <a:latin typeface="+mj-lt"/>
+              </a:rPr>
+              <a:t>Fire propagation is different among the plots (the south and west tower)</a:t>
+            </a:r>
+          </a:p>
+        </p:txBody>
+      </p:sp>
+    </p:spTree>
+    <p:extLst>
+      <p:ext uri="{BB962C8B-B14F-4D97-AF65-F5344CB8AC3E}">
+        <p14:creationId xmlns:p14="http://schemas.microsoft.com/office/powerpoint/2010/main" val="209243186"/>
+      </p:ext>
+    </p:extLst>
+  </p:cSld>
+  <p:clrMapOvr>
+    <a:masterClrMapping/>
+  </p:clrMapOvr>
+</p:sld>
+</file>
+
 <file path=ppt/slides/slide2.xml><?xml version="1.0" encoding="utf-8"?>
 <p:sld xmlns:a="http://schemas.openxmlformats.org/drawingml/2006/main" xmlns:r="http://schemas.openxmlformats.org/officeDocument/2006/relationships" xmlns:p="http://schemas.openxmlformats.org/presentationml/2006/main">
   <p:cSld>
@@ -6245,25 +7536,12 @@
         <p:spPr/>
         <p:txBody>
           <a:bodyPr>
-            <a:normAutofit fontScale="85000" lnSpcReduction="20000"/>
+            <a:normAutofit/>
           </a:bodyPr>
           <a:lstStyle/>
           <a:p>
             <a:r>
               <a:rPr lang="en-US" dirty="0"/>
-              <a:t>Learn about containers in Unix</a:t>
-            </a:r>
-          </a:p>
-          <a:p>
-            <a:pPr lvl="1"/>
-            <a:r>
-              <a:rPr lang="en-US" dirty="0"/>
-              <a:t>Read the paper sent to me about containers</a:t>
-            </a:r>
-          </a:p>
-          <a:p>
-            <a:r>
-              <a:rPr lang="en-US" dirty="0"/>
               <a:t>Compile WRF-SFIRE on </a:t>
             </a:r>
             <a:r>
@@ -6305,20 +7583,7 @@
             <a:pPr lvl="1"/>
             <a:r>
               <a:rPr lang="en-US" dirty="0"/>
-              <a:t>In progress</a:t>
-            </a:r>
-          </a:p>
-          <a:p>
-            <a:r>
-              <a:rPr lang="en-US" dirty="0"/>
-              <a:t>Begin writing my thesis</a:t>
-            </a:r>
-          </a:p>
-          <a:p>
-            <a:pPr lvl="1"/>
-            <a:r>
-              <a:rPr lang="en-US" dirty="0"/>
-              <a:t>Lit review, intro, abstract, etc.</a:t>
+              <a:t>Complete</a:t>
             </a:r>
           </a:p>
           <a:p>
@@ -6331,7 +7596,7 @@
             <a:pPr lvl="1"/>
             <a:r>
               <a:rPr lang="en-US" dirty="0"/>
-              <a:t>Complete, however I’ve been unable to access it due to the maintenance</a:t>
+              <a:t>Complete</a:t>
             </a:r>
           </a:p>
           <a:p>
@@ -6547,7 +7812,7 @@
         </p:blipFill>
         <p:spPr>
           <a:xfrm>
-            <a:off x="2987291" y="1886508"/>
+            <a:off x="3330610" y="1886508"/>
             <a:ext cx="5965790" cy="4971492"/>
           </a:xfrm>
           <a:prstGeom prst="rect">
@@ -6559,6 +7824,1059 @@
     <p:extLst>
       <p:ext uri="{BB962C8B-B14F-4D97-AF65-F5344CB8AC3E}">
         <p14:creationId xmlns:p14="http://schemas.microsoft.com/office/powerpoint/2010/main" val="3449994919"/>
+      </p:ext>
+    </p:extLst>
+  </p:cSld>
+  <p:clrMapOvr>
+    <a:masterClrMapping/>
+  </p:clrMapOvr>
+</p:sld>
+</file>
+
+<file path=ppt/slides/slide5.xml><?xml version="1.0" encoding="utf-8"?>
+<p:sld xmlns:a="http://schemas.openxmlformats.org/drawingml/2006/main" xmlns:r="http://schemas.openxmlformats.org/officeDocument/2006/relationships" xmlns:p="http://schemas.openxmlformats.org/presentationml/2006/main">
+  <p:cSld>
+    <p:bg>
+      <p:bgPr>
+        <a:solidFill>
+          <a:schemeClr val="bg1"/>
+        </a:solidFill>
+        <a:effectLst/>
+      </p:bgPr>
+    </p:bg>
+    <p:spTree>
+      <p:nvGrpSpPr>
+        <p:cNvPr id="1" name=""/>
+        <p:cNvGrpSpPr/>
+        <p:nvPr/>
+      </p:nvGrpSpPr>
+      <p:grpSpPr>
+        <a:xfrm>
+          <a:off x="0" y="0"/>
+          <a:ext cx="0" cy="0"/>
+          <a:chOff x="0" y="0"/>
+          <a:chExt cx="0" cy="0"/>
+        </a:xfrm>
+      </p:grpSpPr>
+      <p:pic>
+        <p:nvPicPr>
+          <p:cNvPr id="31" name="Picture 30">
+            <a:extLst>
+              <a:ext uri="{FF2B5EF4-FFF2-40B4-BE49-F238E27FC236}">
+                <a16:creationId xmlns:a16="http://schemas.microsoft.com/office/drawing/2014/main" id="{2E39533B-7DA3-4398-A7D8-AD6F1C3E3B7D}"/>
+              </a:ext>
+              <a:ext uri="{C183D7F6-B498-43B3-948B-1728B52AA6E4}">
+                <adec:decorative xmlns:adec="http://schemas.microsoft.com/office/drawing/2017/decorative" val="1"/>
+              </a:ext>
+            </a:extLst>
+          </p:cNvPr>
+          <p:cNvPicPr>
+            <a:picLocks noGrp="1" noRot="1" noChangeAspect="1" noMove="1" noResize="1" noEditPoints="1" noAdjustHandles="1" noChangeArrowheads="1" noChangeShapeType="1" noCrop="1"/>
+          </p:cNvPicPr>
+          <p:nvPr>
+            <p:extLst>
+              <p:ext uri="{386F3935-93C4-4BCD-93E2-E3B085C9AB24}">
+                <p16:designElem xmlns:p16="http://schemas.microsoft.com/office/powerpoint/2015/main" val="1"/>
+              </p:ext>
+            </p:extLst>
+          </p:nvPr>
+        </p:nvPicPr>
+        <p:blipFill>
+          <a:blip r:embed="rId2">
+            <a:extLst>
+              <a:ext uri="{28A0092B-C50C-407E-A947-70E740481C1C}">
+                <a14:useLocalDpi xmlns:a14="http://schemas.microsoft.com/office/drawing/2010/main" val="0"/>
+              </a:ext>
+            </a:extLst>
+          </a:blip>
+          <a:stretch>
+            <a:fillRect/>
+          </a:stretch>
+        </p:blipFill>
+        <p:spPr>
+          <a:xfrm>
+            <a:off x="0" y="0"/>
+            <a:ext cx="12192000" cy="1441450"/>
+          </a:xfrm>
+          <a:prstGeom prst="rect">
+            <a:avLst/>
+          </a:prstGeom>
+        </p:spPr>
+      </p:pic>
+      <p:pic>
+        <p:nvPicPr>
+          <p:cNvPr id="33" name="Picture 32">
+            <a:extLst>
+              <a:ext uri="{FF2B5EF4-FFF2-40B4-BE49-F238E27FC236}">
+                <a16:creationId xmlns:a16="http://schemas.microsoft.com/office/drawing/2014/main" id="{4C713273-DAA9-468D-906E-773D549FE7FB}"/>
+              </a:ext>
+              <a:ext uri="{C183D7F6-B498-43B3-948B-1728B52AA6E4}">
+                <adec:decorative xmlns:adec="http://schemas.microsoft.com/office/drawing/2017/decorative" val="1"/>
+              </a:ext>
+            </a:extLst>
+          </p:cNvPr>
+          <p:cNvPicPr>
+            <a:picLocks noGrp="1" noRot="1" noChangeAspect="1" noMove="1" noResize="1" noEditPoints="1" noAdjustHandles="1" noChangeArrowheads="1" noChangeShapeType="1" noCrop="1"/>
+          </p:cNvPicPr>
+          <p:nvPr>
+            <p:extLst>
+              <p:ext uri="{386F3935-93C4-4BCD-93E2-E3B085C9AB24}">
+                <p16:designElem xmlns:p16="http://schemas.microsoft.com/office/powerpoint/2015/main" val="1"/>
+              </p:ext>
+            </p:extLst>
+          </p:nvPr>
+        </p:nvPicPr>
+        <p:blipFill>
+          <a:blip r:embed="rId3">
+            <a:extLst>
+              <a:ext uri="{28A0092B-C50C-407E-A947-70E740481C1C}">
+                <a14:useLocalDpi xmlns:a14="http://schemas.microsoft.com/office/drawing/2010/main" val="0"/>
+              </a:ext>
+            </a:extLst>
+          </a:blip>
+          <a:stretch>
+            <a:fillRect/>
+          </a:stretch>
+        </p:blipFill>
+        <p:spPr>
+          <a:xfrm>
+            <a:off x="0" y="4375150"/>
+            <a:ext cx="12192000" cy="2482850"/>
+          </a:xfrm>
+          <a:prstGeom prst="rect">
+            <a:avLst/>
+          </a:prstGeom>
+        </p:spPr>
+      </p:pic>
+      <p:sp useBgFill="1">
+        <p:nvSpPr>
+          <p:cNvPr id="35" name="Rectangle 34">
+            <a:extLst>
+              <a:ext uri="{FF2B5EF4-FFF2-40B4-BE49-F238E27FC236}">
+                <a16:creationId xmlns:a16="http://schemas.microsoft.com/office/drawing/2014/main" id="{2530BEC5-10C7-41EF-8F71-A26DE0E804B0}"/>
+              </a:ext>
+              <a:ext uri="{C183D7F6-B498-43B3-948B-1728B52AA6E4}">
+                <adec:decorative xmlns:adec="http://schemas.microsoft.com/office/drawing/2017/decorative" val="1"/>
+              </a:ext>
+            </a:extLst>
+          </p:cNvPr>
+          <p:cNvSpPr>
+            <a:spLocks noGrp="1" noRot="1" noChangeAspect="1" noMove="1" noResize="1" noEditPoints="1" noAdjustHandles="1" noChangeArrowheads="1" noChangeShapeType="1" noTextEdit="1"/>
+          </p:cNvSpPr>
+          <p:nvPr>
+            <p:extLst>
+              <p:ext uri="{386F3935-93C4-4BCD-93E2-E3B085C9AB24}">
+                <p16:designElem xmlns:p16="http://schemas.microsoft.com/office/powerpoint/2015/main" val="1"/>
+              </p:ext>
+            </p:extLst>
+          </p:nvPr>
+        </p:nvSpPr>
+        <p:spPr bwMode="white">
+          <a:xfrm>
+            <a:off x="0" y="0"/>
+            <a:ext cx="12192000" cy="6857999"/>
+          </a:xfrm>
+          <a:prstGeom prst="rect">
+            <a:avLst/>
+          </a:prstGeom>
+          <a:ln>
+            <a:noFill/>
+          </a:ln>
+        </p:spPr>
+        <p:style>
+          <a:lnRef idx="2">
+            <a:schemeClr val="accent1">
+              <a:shade val="50000"/>
+            </a:schemeClr>
+          </a:lnRef>
+          <a:fillRef idx="1">
+            <a:schemeClr val="accent1"/>
+          </a:fillRef>
+          <a:effectRef idx="0">
+            <a:schemeClr val="accent1"/>
+          </a:effectRef>
+          <a:fontRef idx="minor">
+            <a:schemeClr val="lt1"/>
+          </a:fontRef>
+        </p:style>
+        <p:txBody>
+          <a:bodyPr rtlCol="0" anchor="ctr"/>
+          <a:lstStyle/>
+          <a:p>
+            <a:pPr algn="ctr"/>
+            <a:endParaRPr lang="en-US"/>
+          </a:p>
+        </p:txBody>
+      </p:sp>
+      <p:pic>
+        <p:nvPicPr>
+          <p:cNvPr id="37" name="Picture 36">
+            <a:extLst>
+              <a:ext uri="{FF2B5EF4-FFF2-40B4-BE49-F238E27FC236}">
+                <a16:creationId xmlns:a16="http://schemas.microsoft.com/office/drawing/2014/main" id="{69E79D4F-E05D-4924-A005-A20A90C1A55A}"/>
+              </a:ext>
+              <a:ext uri="{C183D7F6-B498-43B3-948B-1728B52AA6E4}">
+                <adec:decorative xmlns:adec="http://schemas.microsoft.com/office/drawing/2017/decorative" val="1"/>
+              </a:ext>
+            </a:extLst>
+          </p:cNvPr>
+          <p:cNvPicPr>
+            <a:picLocks noGrp="1" noRot="1" noChangeAspect="1" noMove="1" noResize="1" noEditPoints="1" noAdjustHandles="1" noChangeArrowheads="1" noChangeShapeType="1" noCrop="1"/>
+          </p:cNvPicPr>
+          <p:nvPr>
+            <p:extLst>
+              <p:ext uri="{386F3935-93C4-4BCD-93E2-E3B085C9AB24}">
+                <p16:designElem xmlns:p16="http://schemas.microsoft.com/office/powerpoint/2015/main" val="1"/>
+              </p:ext>
+            </p:extLst>
+          </p:nvPr>
+        </p:nvPicPr>
+        <p:blipFill>
+          <a:blip r:embed="rId3">
+            <a:extLst>
+              <a:ext uri="{28A0092B-C50C-407E-A947-70E740481C1C}">
+                <a14:useLocalDpi xmlns:a14="http://schemas.microsoft.com/office/drawing/2010/main" val="0"/>
+              </a:ext>
+            </a:extLst>
+          </a:blip>
+          <a:stretch>
+            <a:fillRect/>
+          </a:stretch>
+        </p:blipFill>
+        <p:spPr>
+          <a:xfrm>
+            <a:off x="0" y="4375150"/>
+            <a:ext cx="12192000" cy="2482850"/>
+          </a:xfrm>
+          <a:prstGeom prst="rect">
+            <a:avLst/>
+          </a:prstGeom>
+        </p:spPr>
+      </p:pic>
+      <p:sp>
+        <p:nvSpPr>
+          <p:cNvPr id="2" name="Title 1">
+            <a:extLst>
+              <a:ext uri="{FF2B5EF4-FFF2-40B4-BE49-F238E27FC236}">
+                <a16:creationId xmlns:a16="http://schemas.microsoft.com/office/drawing/2014/main" id="{C16F016E-BE42-482E-3B89-293409AEA9AE}"/>
+              </a:ext>
+            </a:extLst>
+          </p:cNvPr>
+          <p:cNvSpPr>
+            <a:spLocks noGrp="1"/>
+          </p:cNvSpPr>
+          <p:nvPr>
+            <p:ph type="title"/>
+          </p:nvPr>
+        </p:nvSpPr>
+        <p:spPr>
+          <a:xfrm>
+            <a:off x="1022888" y="4575274"/>
+            <a:ext cx="10146224" cy="944994"/>
+          </a:xfrm>
+        </p:spPr>
+        <p:txBody>
+          <a:bodyPr vert="horz" lIns="91440" tIns="45720" rIns="91440" bIns="45720" rtlCol="0" anchor="b">
+            <a:normAutofit/>
+          </a:bodyPr>
+          <a:lstStyle/>
+          <a:p>
+            <a:pPr algn="l"/>
+            <a:r>
+              <a:rPr lang="en-US" sz="4400" kern="1200" cap="all" baseline="0">
+                <a:solidFill>
+                  <a:schemeClr val="tx1"/>
+                </a:solidFill>
+                <a:latin typeface="+mj-lt"/>
+                <a:ea typeface="+mj-ea"/>
+                <a:cs typeface="+mj-cs"/>
+              </a:rPr>
+              <a:t>New simulation Temperature</a:t>
+            </a:r>
+          </a:p>
+        </p:txBody>
+      </p:sp>
+      <p:sp>
+        <p:nvSpPr>
+          <p:cNvPr id="39" name="Rounded Rectangle 6">
+            <a:extLst>
+              <a:ext uri="{FF2B5EF4-FFF2-40B4-BE49-F238E27FC236}">
+                <a16:creationId xmlns:a16="http://schemas.microsoft.com/office/drawing/2014/main" id="{29AE0FD0-3F2C-4F12-B355-1E8AD26E6D70}"/>
+              </a:ext>
+              <a:ext uri="{C183D7F6-B498-43B3-948B-1728B52AA6E4}">
+                <adec:decorative xmlns:adec="http://schemas.microsoft.com/office/drawing/2017/decorative" val="1"/>
+              </a:ext>
+            </a:extLst>
+          </p:cNvPr>
+          <p:cNvSpPr>
+            <a:spLocks noGrp="1" noRot="1" noChangeAspect="1" noMove="1" noResize="1" noEditPoints="1" noAdjustHandles="1" noChangeArrowheads="1" noChangeShapeType="1" noTextEdit="1"/>
+          </p:cNvSpPr>
+          <p:nvPr>
+            <p:extLst>
+              <p:ext uri="{386F3935-93C4-4BCD-93E2-E3B085C9AB24}">
+                <p16:designElem xmlns:p16="http://schemas.microsoft.com/office/powerpoint/2015/main" val="1"/>
+              </p:ext>
+            </p:extLst>
+          </p:nvPr>
+        </p:nvSpPr>
+        <p:spPr>
+          <a:xfrm>
+            <a:off x="1022888" y="712832"/>
+            <a:ext cx="3244208" cy="3478161"/>
+          </a:xfrm>
+          <a:prstGeom prst="roundRect">
+            <a:avLst>
+              <a:gd name="adj" fmla="val 2403"/>
+            </a:avLst>
+          </a:prstGeom>
+          <a:solidFill>
+            <a:srgbClr val="FFFFFF"/>
+          </a:solidFill>
+          <a:ln>
+            <a:noFill/>
+          </a:ln>
+          <a:effectLst>
+            <a:innerShdw blurRad="114300">
+              <a:prstClr val="black"/>
+            </a:innerShdw>
+          </a:effectLst>
+        </p:spPr>
+        <p:style>
+          <a:lnRef idx="2">
+            <a:schemeClr val="accent1">
+              <a:shade val="50000"/>
+            </a:schemeClr>
+          </a:lnRef>
+          <a:fillRef idx="1">
+            <a:schemeClr val="accent1"/>
+          </a:fillRef>
+          <a:effectRef idx="0">
+            <a:schemeClr val="accent1"/>
+          </a:effectRef>
+          <a:fontRef idx="minor">
+            <a:schemeClr val="lt1"/>
+          </a:fontRef>
+        </p:style>
+        <p:txBody>
+          <a:bodyPr rtlCol="0" anchor="ctr"/>
+          <a:lstStyle/>
+          <a:p>
+            <a:pPr algn="ctr"/>
+            <a:endParaRPr lang="en-US"/>
+          </a:p>
+        </p:txBody>
+      </p:sp>
+      <p:pic>
+        <p:nvPicPr>
+          <p:cNvPr id="3" name="Picture 2">
+            <a:extLst>
+              <a:ext uri="{FF2B5EF4-FFF2-40B4-BE49-F238E27FC236}">
+                <a16:creationId xmlns:a16="http://schemas.microsoft.com/office/drawing/2014/main" id="{274C8051-922C-32DB-24AE-5CAAC48230C4}"/>
+              </a:ext>
+            </a:extLst>
+          </p:cNvPr>
+          <p:cNvPicPr>
+            <a:picLocks noChangeAspect="1"/>
+          </p:cNvPicPr>
+          <p:nvPr/>
+        </p:nvPicPr>
+        <p:blipFill>
+          <a:blip r:embed="rId4"/>
+          <a:stretch>
+            <a:fillRect/>
+          </a:stretch>
+        </p:blipFill>
+        <p:spPr>
+          <a:xfrm>
+            <a:off x="1022889" y="1441450"/>
+            <a:ext cx="3244207" cy="2717021"/>
+          </a:xfrm>
+          <a:prstGeom prst="rect">
+            <a:avLst/>
+          </a:prstGeom>
+        </p:spPr>
+      </p:pic>
+      <p:sp>
+        <p:nvSpPr>
+          <p:cNvPr id="41" name="Rounded Rectangle 19">
+            <a:extLst>
+              <a:ext uri="{FF2B5EF4-FFF2-40B4-BE49-F238E27FC236}">
+                <a16:creationId xmlns:a16="http://schemas.microsoft.com/office/drawing/2014/main" id="{BAF4A48A-1BDF-4D65-8026-4C3FE3991DCC}"/>
+              </a:ext>
+              <a:ext uri="{C183D7F6-B498-43B3-948B-1728B52AA6E4}">
+                <adec:decorative xmlns:adec="http://schemas.microsoft.com/office/drawing/2017/decorative" val="1"/>
+              </a:ext>
+            </a:extLst>
+          </p:cNvPr>
+          <p:cNvSpPr>
+            <a:spLocks noGrp="1" noRot="1" noChangeAspect="1" noMove="1" noResize="1" noEditPoints="1" noAdjustHandles="1" noChangeArrowheads="1" noChangeShapeType="1" noTextEdit="1"/>
+          </p:cNvSpPr>
+          <p:nvPr>
+            <p:extLst>
+              <p:ext uri="{386F3935-93C4-4BCD-93E2-E3B085C9AB24}">
+                <p16:designElem xmlns:p16="http://schemas.microsoft.com/office/powerpoint/2015/main" val="1"/>
+              </p:ext>
+            </p:extLst>
+          </p:nvPr>
+        </p:nvSpPr>
+        <p:spPr>
+          <a:xfrm>
+            <a:off x="4473896" y="712832"/>
+            <a:ext cx="3244208" cy="3478161"/>
+          </a:xfrm>
+          <a:prstGeom prst="roundRect">
+            <a:avLst>
+              <a:gd name="adj" fmla="val 2403"/>
+            </a:avLst>
+          </a:prstGeom>
+          <a:solidFill>
+            <a:srgbClr val="FFFFFF"/>
+          </a:solidFill>
+          <a:ln>
+            <a:noFill/>
+          </a:ln>
+          <a:effectLst>
+            <a:innerShdw blurRad="114300">
+              <a:prstClr val="black"/>
+            </a:innerShdw>
+          </a:effectLst>
+        </p:spPr>
+        <p:style>
+          <a:lnRef idx="2">
+            <a:schemeClr val="accent1">
+              <a:shade val="50000"/>
+            </a:schemeClr>
+          </a:lnRef>
+          <a:fillRef idx="1">
+            <a:schemeClr val="accent1"/>
+          </a:fillRef>
+          <a:effectRef idx="0">
+            <a:schemeClr val="accent1"/>
+          </a:effectRef>
+          <a:fontRef idx="minor">
+            <a:schemeClr val="lt1"/>
+          </a:fontRef>
+        </p:style>
+        <p:txBody>
+          <a:bodyPr rtlCol="0" anchor="ctr"/>
+          <a:lstStyle/>
+          <a:p>
+            <a:pPr algn="ctr"/>
+            <a:endParaRPr lang="en-US"/>
+          </a:p>
+        </p:txBody>
+      </p:sp>
+      <p:pic>
+        <p:nvPicPr>
+          <p:cNvPr id="5" name="Picture 4">
+            <a:extLst>
+              <a:ext uri="{FF2B5EF4-FFF2-40B4-BE49-F238E27FC236}">
+                <a16:creationId xmlns:a16="http://schemas.microsoft.com/office/drawing/2014/main" id="{953086FD-C30B-DA98-EA82-9EA1C9FA3AA3}"/>
+              </a:ext>
+            </a:extLst>
+          </p:cNvPr>
+          <p:cNvPicPr>
+            <a:picLocks noChangeAspect="1"/>
+          </p:cNvPicPr>
+          <p:nvPr/>
+        </p:nvPicPr>
+        <p:blipFill>
+          <a:blip r:embed="rId5"/>
+          <a:stretch>
+            <a:fillRect/>
+          </a:stretch>
+        </p:blipFill>
+        <p:spPr>
+          <a:xfrm>
+            <a:off x="4473895" y="1441450"/>
+            <a:ext cx="3244207" cy="2708912"/>
+          </a:xfrm>
+          <a:prstGeom prst="rect">
+            <a:avLst/>
+          </a:prstGeom>
+        </p:spPr>
+      </p:pic>
+      <p:sp>
+        <p:nvSpPr>
+          <p:cNvPr id="43" name="Rounded Rectangle 21">
+            <a:extLst>
+              <a:ext uri="{FF2B5EF4-FFF2-40B4-BE49-F238E27FC236}">
+                <a16:creationId xmlns:a16="http://schemas.microsoft.com/office/drawing/2014/main" id="{92ED5AEB-3386-48FE-9862-97B41FDF2300}"/>
+              </a:ext>
+              <a:ext uri="{C183D7F6-B498-43B3-948B-1728B52AA6E4}">
+                <adec:decorative xmlns:adec="http://schemas.microsoft.com/office/drawing/2017/decorative" val="1"/>
+              </a:ext>
+            </a:extLst>
+          </p:cNvPr>
+          <p:cNvSpPr>
+            <a:spLocks noGrp="1" noRot="1" noChangeAspect="1" noMove="1" noResize="1" noEditPoints="1" noAdjustHandles="1" noChangeArrowheads="1" noChangeShapeType="1" noTextEdit="1"/>
+          </p:cNvSpPr>
+          <p:nvPr>
+            <p:extLst>
+              <p:ext uri="{386F3935-93C4-4BCD-93E2-E3B085C9AB24}">
+                <p16:designElem xmlns:p16="http://schemas.microsoft.com/office/powerpoint/2015/main" val="1"/>
+              </p:ext>
+            </p:extLst>
+          </p:nvPr>
+        </p:nvSpPr>
+        <p:spPr>
+          <a:xfrm>
+            <a:off x="7924904" y="712832"/>
+            <a:ext cx="3244208" cy="3478161"/>
+          </a:xfrm>
+          <a:prstGeom prst="roundRect">
+            <a:avLst>
+              <a:gd name="adj" fmla="val 2403"/>
+            </a:avLst>
+          </a:prstGeom>
+          <a:solidFill>
+            <a:srgbClr val="FFFFFF"/>
+          </a:solidFill>
+          <a:ln>
+            <a:noFill/>
+          </a:ln>
+          <a:effectLst>
+            <a:innerShdw blurRad="114300">
+              <a:prstClr val="black"/>
+            </a:innerShdw>
+          </a:effectLst>
+        </p:spPr>
+        <p:style>
+          <a:lnRef idx="2">
+            <a:schemeClr val="accent1">
+              <a:shade val="50000"/>
+            </a:schemeClr>
+          </a:lnRef>
+          <a:fillRef idx="1">
+            <a:schemeClr val="accent1"/>
+          </a:fillRef>
+          <a:effectRef idx="0">
+            <a:schemeClr val="accent1"/>
+          </a:effectRef>
+          <a:fontRef idx="minor">
+            <a:schemeClr val="lt1"/>
+          </a:fontRef>
+        </p:style>
+        <p:txBody>
+          <a:bodyPr rtlCol="0" anchor="ctr"/>
+          <a:lstStyle/>
+          <a:p>
+            <a:pPr algn="ctr"/>
+            <a:endParaRPr lang="en-US"/>
+          </a:p>
+        </p:txBody>
+      </p:sp>
+      <p:pic>
+        <p:nvPicPr>
+          <p:cNvPr id="4" name="Picture 3">
+            <a:extLst>
+              <a:ext uri="{FF2B5EF4-FFF2-40B4-BE49-F238E27FC236}">
+                <a16:creationId xmlns:a16="http://schemas.microsoft.com/office/drawing/2014/main" id="{E797C2CF-F581-74B6-C8AE-C09E4D2871DD}"/>
+              </a:ext>
+            </a:extLst>
+          </p:cNvPr>
+          <p:cNvPicPr>
+            <a:picLocks noChangeAspect="1"/>
+          </p:cNvPicPr>
+          <p:nvPr/>
+        </p:nvPicPr>
+        <p:blipFill>
+          <a:blip r:embed="rId6"/>
+          <a:stretch>
+            <a:fillRect/>
+          </a:stretch>
+        </p:blipFill>
+        <p:spPr>
+          <a:xfrm>
+            <a:off x="7924901" y="1441450"/>
+            <a:ext cx="3244207" cy="2708912"/>
+          </a:xfrm>
+          <a:prstGeom prst="rect">
+            <a:avLst/>
+          </a:prstGeom>
+        </p:spPr>
+      </p:pic>
+    </p:spTree>
+    <p:extLst>
+      <p:ext uri="{BB962C8B-B14F-4D97-AF65-F5344CB8AC3E}">
+        <p14:creationId xmlns:p14="http://schemas.microsoft.com/office/powerpoint/2010/main" val="1690239280"/>
+      </p:ext>
+    </p:extLst>
+  </p:cSld>
+  <p:clrMapOvr>
+    <a:masterClrMapping/>
+  </p:clrMapOvr>
+</p:sld>
+</file>
+
+<file path=ppt/slides/slide6.xml><?xml version="1.0" encoding="utf-8"?>
+<p:sld xmlns:a="http://schemas.openxmlformats.org/drawingml/2006/main" xmlns:r="http://schemas.openxmlformats.org/officeDocument/2006/relationships" xmlns:p="http://schemas.openxmlformats.org/presentationml/2006/main">
+  <p:cSld>
+    <p:spTree>
+      <p:nvGrpSpPr>
+        <p:cNvPr id="1" name=""/>
+        <p:cNvGrpSpPr/>
+        <p:nvPr/>
+      </p:nvGrpSpPr>
+      <p:grpSpPr>
+        <a:xfrm>
+          <a:off x="0" y="0"/>
+          <a:ext cx="0" cy="0"/>
+          <a:chOff x="0" y="0"/>
+          <a:chExt cx="0" cy="0"/>
+        </a:xfrm>
+      </p:grpSpPr>
+      <p:sp>
+        <p:nvSpPr>
+          <p:cNvPr id="2" name="Title 1">
+            <a:extLst>
+              <a:ext uri="{FF2B5EF4-FFF2-40B4-BE49-F238E27FC236}">
+                <a16:creationId xmlns:a16="http://schemas.microsoft.com/office/drawing/2014/main" id="{263583D5-DD4B-E5F6-9E58-853B7274C64C}"/>
+              </a:ext>
+            </a:extLst>
+          </p:cNvPr>
+          <p:cNvSpPr>
+            <a:spLocks noGrp="1"/>
+          </p:cNvSpPr>
+          <p:nvPr>
+            <p:ph type="title"/>
+          </p:nvPr>
+        </p:nvSpPr>
+        <p:spPr/>
+        <p:txBody>
+          <a:bodyPr/>
+          <a:lstStyle/>
+          <a:p>
+            <a:r>
+              <a:rPr lang="en-US" dirty="0"/>
+              <a:t>Short tower temperature</a:t>
+            </a:r>
+          </a:p>
+        </p:txBody>
+      </p:sp>
+      <p:pic>
+        <p:nvPicPr>
+          <p:cNvPr id="3" name="Picture 2">
+            <a:extLst>
+              <a:ext uri="{FF2B5EF4-FFF2-40B4-BE49-F238E27FC236}">
+                <a16:creationId xmlns:a16="http://schemas.microsoft.com/office/drawing/2014/main" id="{17559C3F-582B-7DA2-BEEC-618D73DE0D98}"/>
+              </a:ext>
+            </a:extLst>
+          </p:cNvPr>
+          <p:cNvPicPr>
+            <a:picLocks noChangeAspect="1"/>
+          </p:cNvPicPr>
+          <p:nvPr/>
+        </p:nvPicPr>
+        <p:blipFill>
+          <a:blip r:embed="rId2"/>
+          <a:stretch>
+            <a:fillRect/>
+          </a:stretch>
+        </p:blipFill>
+        <p:spPr>
+          <a:xfrm>
+            <a:off x="0" y="2362200"/>
+            <a:ext cx="5410200" cy="4495800"/>
+          </a:xfrm>
+          <a:prstGeom prst="rect">
+            <a:avLst/>
+          </a:prstGeom>
+        </p:spPr>
+      </p:pic>
+      <p:pic>
+        <p:nvPicPr>
+          <p:cNvPr id="4" name="Picture 3">
+            <a:extLst>
+              <a:ext uri="{FF2B5EF4-FFF2-40B4-BE49-F238E27FC236}">
+                <a16:creationId xmlns:a16="http://schemas.microsoft.com/office/drawing/2014/main" id="{7B98B4DA-E44E-6ED0-F079-E619F59E08AB}"/>
+              </a:ext>
+            </a:extLst>
+          </p:cNvPr>
+          <p:cNvPicPr>
+            <a:picLocks noChangeAspect="1"/>
+          </p:cNvPicPr>
+          <p:nvPr/>
+        </p:nvPicPr>
+        <p:blipFill>
+          <a:blip r:embed="rId3"/>
+          <a:stretch>
+            <a:fillRect/>
+          </a:stretch>
+        </p:blipFill>
+        <p:spPr>
+          <a:xfrm>
+            <a:off x="6781800" y="2362200"/>
+            <a:ext cx="5410200" cy="4495800"/>
+          </a:xfrm>
+          <a:prstGeom prst="rect">
+            <a:avLst/>
+          </a:prstGeom>
+        </p:spPr>
+      </p:pic>
+    </p:spTree>
+    <p:extLst>
+      <p:ext uri="{BB962C8B-B14F-4D97-AF65-F5344CB8AC3E}">
+        <p14:creationId xmlns:p14="http://schemas.microsoft.com/office/powerpoint/2010/main" val="3734553741"/>
+      </p:ext>
+    </p:extLst>
+  </p:cSld>
+  <p:clrMapOvr>
+    <a:masterClrMapping/>
+  </p:clrMapOvr>
+</p:sld>
+</file>
+
+<file path=ppt/slides/slide7.xml><?xml version="1.0" encoding="utf-8"?>
+<p:sld xmlns:a="http://schemas.openxmlformats.org/drawingml/2006/main" xmlns:r="http://schemas.openxmlformats.org/officeDocument/2006/relationships" xmlns:p="http://schemas.openxmlformats.org/presentationml/2006/main">
+  <p:cSld>
+    <p:spTree>
+      <p:nvGrpSpPr>
+        <p:cNvPr id="1" name=""/>
+        <p:cNvGrpSpPr/>
+        <p:nvPr/>
+      </p:nvGrpSpPr>
+      <p:grpSpPr>
+        <a:xfrm>
+          <a:off x="0" y="0"/>
+          <a:ext cx="0" cy="0"/>
+          <a:chOff x="0" y="0"/>
+          <a:chExt cx="0" cy="0"/>
+        </a:xfrm>
+      </p:grpSpPr>
+      <p:sp>
+        <p:nvSpPr>
+          <p:cNvPr id="2" name="Title 1">
+            <a:extLst>
+              <a:ext uri="{FF2B5EF4-FFF2-40B4-BE49-F238E27FC236}">
+                <a16:creationId xmlns:a16="http://schemas.microsoft.com/office/drawing/2014/main" id="{E0F56A87-7C5A-7C6A-8BA9-277CE3C8BD66}"/>
+              </a:ext>
+            </a:extLst>
+          </p:cNvPr>
+          <p:cNvSpPr>
+            <a:spLocks noGrp="1"/>
+          </p:cNvSpPr>
+          <p:nvPr>
+            <p:ph type="title"/>
+          </p:nvPr>
+        </p:nvSpPr>
+        <p:spPr/>
+        <p:txBody>
+          <a:bodyPr/>
+          <a:lstStyle/>
+          <a:p>
+            <a:r>
+              <a:rPr lang="en-US" dirty="0"/>
+              <a:t>5m resolution simulation winds</a:t>
+            </a:r>
+          </a:p>
+        </p:txBody>
+      </p:sp>
+      <p:pic>
+        <p:nvPicPr>
+          <p:cNvPr id="5" name="Picture 4">
+            <a:extLst>
+              <a:ext uri="{FF2B5EF4-FFF2-40B4-BE49-F238E27FC236}">
+                <a16:creationId xmlns:a16="http://schemas.microsoft.com/office/drawing/2014/main" id="{1386CEC9-BFBC-08AF-4366-E85EF44C2413}"/>
+              </a:ext>
+            </a:extLst>
+          </p:cNvPr>
+          <p:cNvPicPr>
+            <a:picLocks noChangeAspect="1"/>
+          </p:cNvPicPr>
+          <p:nvPr/>
+        </p:nvPicPr>
+        <p:blipFill>
+          <a:blip r:embed="rId2"/>
+          <a:stretch>
+            <a:fillRect/>
+          </a:stretch>
+        </p:blipFill>
+        <p:spPr>
+          <a:xfrm>
+            <a:off x="-1" y="2096313"/>
+            <a:ext cx="5748867" cy="4761688"/>
+          </a:xfrm>
+          <a:prstGeom prst="rect">
+            <a:avLst/>
+          </a:prstGeom>
+        </p:spPr>
+      </p:pic>
+      <p:pic>
+        <p:nvPicPr>
+          <p:cNvPr id="6" name="Picture 5">
+            <a:extLst>
+              <a:ext uri="{FF2B5EF4-FFF2-40B4-BE49-F238E27FC236}">
+                <a16:creationId xmlns:a16="http://schemas.microsoft.com/office/drawing/2014/main" id="{87B1BD9D-BCE5-113D-1DA1-5EEFC837BCA5}"/>
+              </a:ext>
+            </a:extLst>
+          </p:cNvPr>
+          <p:cNvPicPr>
+            <a:picLocks noChangeAspect="1"/>
+          </p:cNvPicPr>
+          <p:nvPr/>
+        </p:nvPicPr>
+        <p:blipFill>
+          <a:blip r:embed="rId3"/>
+          <a:stretch>
+            <a:fillRect/>
+          </a:stretch>
+        </p:blipFill>
+        <p:spPr>
+          <a:xfrm>
+            <a:off x="6443133" y="2096313"/>
+            <a:ext cx="5748867" cy="4761688"/>
+          </a:xfrm>
+          <a:prstGeom prst="rect">
+            <a:avLst/>
+          </a:prstGeom>
+        </p:spPr>
+      </p:pic>
+    </p:spTree>
+    <p:extLst>
+      <p:ext uri="{BB962C8B-B14F-4D97-AF65-F5344CB8AC3E}">
+        <p14:creationId xmlns:p14="http://schemas.microsoft.com/office/powerpoint/2010/main" val="4159961978"/>
+      </p:ext>
+    </p:extLst>
+  </p:cSld>
+  <p:clrMapOvr>
+    <a:masterClrMapping/>
+  </p:clrMapOvr>
+</p:sld>
+</file>
+
+<file path=ppt/slides/slide8.xml><?xml version="1.0" encoding="utf-8"?>
+<p:sld xmlns:a="http://schemas.openxmlformats.org/drawingml/2006/main" xmlns:r="http://schemas.openxmlformats.org/officeDocument/2006/relationships" xmlns:p="http://schemas.openxmlformats.org/presentationml/2006/main">
+  <p:cSld>
+    <p:spTree>
+      <p:nvGrpSpPr>
+        <p:cNvPr id="1" name=""/>
+        <p:cNvGrpSpPr/>
+        <p:nvPr/>
+      </p:nvGrpSpPr>
+      <p:grpSpPr>
+        <a:xfrm>
+          <a:off x="0" y="0"/>
+          <a:ext cx="0" cy="0"/>
+          <a:chOff x="0" y="0"/>
+          <a:chExt cx="0" cy="0"/>
+        </a:xfrm>
+      </p:grpSpPr>
+      <p:sp>
+        <p:nvSpPr>
+          <p:cNvPr id="2" name="Title 1">
+            <a:extLst>
+              <a:ext uri="{FF2B5EF4-FFF2-40B4-BE49-F238E27FC236}">
+                <a16:creationId xmlns:a16="http://schemas.microsoft.com/office/drawing/2014/main" id="{E0F56A87-7C5A-7C6A-8BA9-277CE3C8BD66}"/>
+              </a:ext>
+            </a:extLst>
+          </p:cNvPr>
+          <p:cNvSpPr>
+            <a:spLocks noGrp="1"/>
+          </p:cNvSpPr>
+          <p:nvPr>
+            <p:ph type="title"/>
+          </p:nvPr>
+        </p:nvSpPr>
+        <p:spPr>
+          <a:xfrm>
+            <a:off x="2895600" y="515760"/>
+            <a:ext cx="8610600" cy="1293028"/>
+          </a:xfrm>
+        </p:spPr>
+        <p:txBody>
+          <a:bodyPr/>
+          <a:lstStyle/>
+          <a:p>
+            <a:r>
+              <a:rPr lang="en-US" dirty="0"/>
+              <a:t>5m resolution simulation winds</a:t>
+            </a:r>
+          </a:p>
+        </p:txBody>
+      </p:sp>
+      <p:pic>
+        <p:nvPicPr>
+          <p:cNvPr id="7" name="Picture 6">
+            <a:extLst>
+              <a:ext uri="{FF2B5EF4-FFF2-40B4-BE49-F238E27FC236}">
+                <a16:creationId xmlns:a16="http://schemas.microsoft.com/office/drawing/2014/main" id="{FD70BD60-9C88-D70E-7F10-C09858A4FABA}"/>
+              </a:ext>
+            </a:extLst>
+          </p:cNvPr>
+          <p:cNvPicPr>
+            <a:picLocks noChangeAspect="1"/>
+          </p:cNvPicPr>
+          <p:nvPr/>
+        </p:nvPicPr>
+        <p:blipFill>
+          <a:blip r:embed="rId2"/>
+          <a:stretch>
+            <a:fillRect/>
+          </a:stretch>
+        </p:blipFill>
+        <p:spPr>
+          <a:xfrm>
+            <a:off x="0" y="1808788"/>
+            <a:ext cx="6096000" cy="5049212"/>
+          </a:xfrm>
+          <a:prstGeom prst="rect">
+            <a:avLst/>
+          </a:prstGeom>
+        </p:spPr>
+      </p:pic>
+      <p:pic>
+        <p:nvPicPr>
+          <p:cNvPr id="8" name="Picture 7">
+            <a:extLst>
+              <a:ext uri="{FF2B5EF4-FFF2-40B4-BE49-F238E27FC236}">
+                <a16:creationId xmlns:a16="http://schemas.microsoft.com/office/drawing/2014/main" id="{8A396EDC-29EB-E201-6D81-D5CC47B913A7}"/>
+              </a:ext>
+            </a:extLst>
+          </p:cNvPr>
+          <p:cNvPicPr>
+            <a:picLocks noChangeAspect="1"/>
+          </p:cNvPicPr>
+          <p:nvPr/>
+        </p:nvPicPr>
+        <p:blipFill>
+          <a:blip r:embed="rId3"/>
+          <a:stretch>
+            <a:fillRect/>
+          </a:stretch>
+        </p:blipFill>
+        <p:spPr>
+          <a:xfrm>
+            <a:off x="6116524" y="1808788"/>
+            <a:ext cx="6075475" cy="5049212"/>
+          </a:xfrm>
+          <a:prstGeom prst="rect">
+            <a:avLst/>
+          </a:prstGeom>
+        </p:spPr>
+      </p:pic>
+    </p:spTree>
+    <p:extLst>
+      <p:ext uri="{BB962C8B-B14F-4D97-AF65-F5344CB8AC3E}">
+        <p14:creationId xmlns:p14="http://schemas.microsoft.com/office/powerpoint/2010/main" val="4039271899"/>
+      </p:ext>
+    </p:extLst>
+  </p:cSld>
+  <p:clrMapOvr>
+    <a:masterClrMapping/>
+  </p:clrMapOvr>
+</p:sld>
+</file>
+
+<file path=ppt/slides/slide9.xml><?xml version="1.0" encoding="utf-8"?>
+<p:sld xmlns:a="http://schemas.openxmlformats.org/drawingml/2006/main" xmlns:r="http://schemas.openxmlformats.org/officeDocument/2006/relationships" xmlns:p="http://schemas.openxmlformats.org/presentationml/2006/main">
+  <p:cSld>
+    <p:spTree>
+      <p:nvGrpSpPr>
+        <p:cNvPr id="1" name=""/>
+        <p:cNvGrpSpPr/>
+        <p:nvPr/>
+      </p:nvGrpSpPr>
+      <p:grpSpPr>
+        <a:xfrm>
+          <a:off x="0" y="0"/>
+          <a:ext cx="0" cy="0"/>
+          <a:chOff x="0" y="0"/>
+          <a:chExt cx="0" cy="0"/>
+        </a:xfrm>
+      </p:grpSpPr>
+      <p:sp>
+        <p:nvSpPr>
+          <p:cNvPr id="2" name="Title 1">
+            <a:extLst>
+              <a:ext uri="{FF2B5EF4-FFF2-40B4-BE49-F238E27FC236}">
+                <a16:creationId xmlns:a16="http://schemas.microsoft.com/office/drawing/2014/main" id="{61BEB81E-B47F-2717-FD67-9833D7938969}"/>
+              </a:ext>
+            </a:extLst>
+          </p:cNvPr>
+          <p:cNvSpPr>
+            <a:spLocks noGrp="1"/>
+          </p:cNvSpPr>
+          <p:nvPr>
+            <p:ph type="title"/>
+          </p:nvPr>
+        </p:nvSpPr>
+        <p:spPr/>
+        <p:txBody>
+          <a:bodyPr/>
+          <a:lstStyle/>
+          <a:p>
+            <a:r>
+              <a:rPr lang="en-US" dirty="0"/>
+              <a:t>5m sim temperatures 5s averages</a:t>
+            </a:r>
+          </a:p>
+        </p:txBody>
+      </p:sp>
+      <p:pic>
+        <p:nvPicPr>
+          <p:cNvPr id="3" name="Picture 2">
+            <a:extLst>
+              <a:ext uri="{FF2B5EF4-FFF2-40B4-BE49-F238E27FC236}">
+                <a16:creationId xmlns:a16="http://schemas.microsoft.com/office/drawing/2014/main" id="{8840C621-FA4F-EBA3-52FE-DE21674DA60C}"/>
+              </a:ext>
+            </a:extLst>
+          </p:cNvPr>
+          <p:cNvPicPr>
+            <a:picLocks noChangeAspect="1"/>
+          </p:cNvPicPr>
+          <p:nvPr/>
+        </p:nvPicPr>
+        <p:blipFill>
+          <a:blip r:embed="rId2"/>
+          <a:stretch>
+            <a:fillRect/>
+          </a:stretch>
+        </p:blipFill>
+        <p:spPr>
+          <a:xfrm>
+            <a:off x="-1" y="2055570"/>
+            <a:ext cx="5731933" cy="4802430"/>
+          </a:xfrm>
+          <a:prstGeom prst="rect">
+            <a:avLst/>
+          </a:prstGeom>
+        </p:spPr>
+      </p:pic>
+      <p:pic>
+        <p:nvPicPr>
+          <p:cNvPr id="5" name="Picture 4">
+            <a:extLst>
+              <a:ext uri="{FF2B5EF4-FFF2-40B4-BE49-F238E27FC236}">
+                <a16:creationId xmlns:a16="http://schemas.microsoft.com/office/drawing/2014/main" id="{4EE14319-94C8-4079-3C10-517E0E81B843}"/>
+              </a:ext>
+            </a:extLst>
+          </p:cNvPr>
+          <p:cNvPicPr>
+            <a:picLocks noChangeAspect="1"/>
+          </p:cNvPicPr>
+          <p:nvPr/>
+        </p:nvPicPr>
+        <p:blipFill>
+          <a:blip r:embed="rId3"/>
+          <a:stretch>
+            <a:fillRect/>
+          </a:stretch>
+        </p:blipFill>
+        <p:spPr>
+          <a:xfrm>
+            <a:off x="6460067" y="2039290"/>
+            <a:ext cx="5731933" cy="4818710"/>
+          </a:xfrm>
+          <a:prstGeom prst="rect">
+            <a:avLst/>
+          </a:prstGeom>
+        </p:spPr>
+      </p:pic>
+    </p:spTree>
+    <p:extLst>
+      <p:ext uri="{BB962C8B-B14F-4D97-AF65-F5344CB8AC3E}">
+        <p14:creationId xmlns:p14="http://schemas.microsoft.com/office/powerpoint/2010/main" val="1787134699"/>
       </p:ext>
     </p:extLst>
   </p:cSld>
